--- a/04-SPA/Slides/01.02-Seavus Talent Program_SPA.pptx
+++ b/04-SPA/Slides/01.02-Seavus Talent Program_SPA.pptx
@@ -5,10 +5,10 @@
     <p:sldMasterId id="2147483648" r:id="rId2"/>
   </p:sldMasterIdLst>
   <p:notesMasterIdLst>
-    <p:notesMasterId r:id="rId9"/>
+    <p:notesMasterId r:id="rId25"/>
   </p:notesMasterIdLst>
   <p:handoutMasterIdLst>
-    <p:handoutMasterId r:id="rId10"/>
+    <p:handoutMasterId r:id="rId26"/>
   </p:handoutMasterIdLst>
   <p:sldIdLst>
     <p:sldId id="273" r:id="rId3"/>
@@ -17,6 +17,22 @@
     <p:sldId id="282" r:id="rId6"/>
     <p:sldId id="283" r:id="rId7"/>
     <p:sldId id="284" r:id="rId8"/>
+    <p:sldId id="285" r:id="rId9"/>
+    <p:sldId id="286" r:id="rId10"/>
+    <p:sldId id="293" r:id="rId11"/>
+    <p:sldId id="294" r:id="rId12"/>
+    <p:sldId id="291" r:id="rId13"/>
+    <p:sldId id="295" r:id="rId14"/>
+    <p:sldId id="292" r:id="rId15"/>
+    <p:sldId id="287" r:id="rId16"/>
+    <p:sldId id="296" r:id="rId17"/>
+    <p:sldId id="297" r:id="rId18"/>
+    <p:sldId id="298" r:id="rId19"/>
+    <p:sldId id="299" r:id="rId20"/>
+    <p:sldId id="300" r:id="rId21"/>
+    <p:sldId id="289" r:id="rId22"/>
+    <p:sldId id="288" r:id="rId23"/>
+    <p:sldId id="290" r:id="rId24"/>
   </p:sldIdLst>
   <p:sldSz cx="12192000" cy="6858000"/>
   <p:notesSz cx="6858000" cy="9144000"/>
@@ -117,7 +133,7 @@
   </p:defaultTextStyle>
   <p:extLst>
     <p:ext uri="{EFAFB233-063F-42B5-8137-9DF3F51BA10A}">
-      <p15:sldGuideLst xmlns:p15="http://schemas.microsoft.com/office/powerpoint/2012/main" xmlns="">
+      <p15:sldGuideLst xmlns="" xmlns:p15="http://schemas.microsoft.com/office/powerpoint/2012/main">
         <p15:guide id="1" pos="3840" userDrawn="1">
           <p15:clr>
             <a:srgbClr val="A4A3A4"/>
@@ -131,7 +147,7 @@
       </p15:sldGuideLst>
     </p:ext>
     <p:ext uri="{2D200454-40CA-4A62-9FC3-DE9A4176ACB9}">
-      <p15:notesGuideLst xmlns:p15="http://schemas.microsoft.com/office/powerpoint/2012/main" xmlns=""/>
+      <p15:notesGuideLst xmlns="" xmlns:p15="http://schemas.microsoft.com/office/powerpoint/2012/main"/>
     </p:ext>
   </p:extLst>
 </p:presentation>
@@ -219,7 +235,7 @@
           <a:p>
             <a:fld id="{59041DB8-B66F-4DC8-A96E-33677E0F90FF}" type="datetimeFigureOut">
               <a:rPr lang="en-US" smtClean="0"/>
-              <a:t>4/24/2015</a:t>
+              <a:t>4/27/2015</a:t>
             </a:fld>
             <a:endParaRPr lang="en-US"/>
           </a:p>
@@ -384,7 +400,7 @@
           <a:p>
             <a:fld id="{DEB49C4A-65AC-492D-9701-81B46C3AD0E4}" type="datetimeFigureOut">
               <a:rPr lang="en-US" smtClean="0"/>
-              <a:t>4/24/2015</a:t>
+              <a:t>4/27/2015</a:t>
             </a:fld>
             <a:endParaRPr lang="en-US"/>
           </a:p>
@@ -4906,7 +4922,7 @@
           <a:p>
             <a:fld id="{384A29A4-78C8-47AB-BA06-22CB45938951}" type="datetime1">
               <a:rPr lang="en-US" smtClean="0"/>
-              <a:t>4/24/2015</a:t>
+              <a:t>4/27/2015</a:t>
             </a:fld>
             <a:endParaRPr lang="en-US"/>
           </a:p>
@@ -5101,7 +5117,7 @@
           <a:p>
             <a:fld id="{E1ED4ACF-2D82-46F2-A8E9-23963AA34E86}" type="datetime1">
               <a:rPr lang="en-US" smtClean="0"/>
-              <a:t>4/24/2015</a:t>
+              <a:t>4/27/2015</a:t>
             </a:fld>
             <a:endParaRPr lang="en-US"/>
           </a:p>
@@ -5294,7 +5310,7 @@
           <a:p>
             <a:fld id="{AE374B5B-21A0-4192-BF4C-38187F1A68D8}" type="datetime1">
               <a:rPr lang="en-US" smtClean="0"/>
-              <a:t>4/24/2015</a:t>
+              <a:t>4/27/2015</a:t>
             </a:fld>
             <a:endParaRPr lang="en-US"/>
           </a:p>
@@ -5485,7 +5501,7 @@
           <a:p>
             <a:fld id="{AE374B5B-21A0-4192-BF4C-38187F1A68D8}" type="datetime1">
               <a:rPr lang="en-US" smtClean="0"/>
-              <a:t>4/24/2015</a:t>
+              <a:t>4/27/2015</a:t>
             </a:fld>
             <a:endParaRPr lang="en-US"/>
           </a:p>
@@ -7783,7 +7799,7 @@
           <a:p>
             <a:fld id="{33B5CF7C-B333-48E1-A4A6-83A3C8B73AC0}" type="datetime1">
               <a:rPr lang="en-US" smtClean="0"/>
-              <a:t>4/24/2015</a:t>
+              <a:t>4/27/2015</a:t>
             </a:fld>
             <a:endParaRPr lang="en-US"/>
           </a:p>
@@ -8238,7 +8254,7 @@
           <a:p>
             <a:fld id="{AE320762-5CBF-4210-AB54-376B091119F8}" type="datetime1">
               <a:rPr lang="en-US" smtClean="0"/>
-              <a:t>4/24/2015</a:t>
+              <a:t>4/27/2015</a:t>
             </a:fld>
             <a:endParaRPr lang="en-US"/>
           </a:p>
@@ -8371,7 +8387,7 @@
           <a:p>
             <a:fld id="{7F0DB371-BF5F-4058-A212-1A908E4D2674}" type="datetime1">
               <a:rPr lang="en-US" smtClean="0"/>
-              <a:t>4/24/2015</a:t>
+              <a:t>4/27/2015</a:t>
             </a:fld>
             <a:endParaRPr lang="en-US"/>
           </a:p>
@@ -10304,7 +10320,7 @@
           <a:p>
             <a:fld id="{60A4083B-90AA-48CF-BAD5-00AA24D7F288}" type="datetime1">
               <a:rPr lang="en-US" smtClean="0"/>
-              <a:t>4/24/2015</a:t>
+              <a:t>4/27/2015</a:t>
             </a:fld>
             <a:endParaRPr lang="en-US"/>
           </a:p>
@@ -14559,7 +14575,7 @@
           <a:p>
             <a:fld id="{B51B2453-8663-4C69-AF73-9FD7B1DEC5D0}" type="datetime1">
               <a:rPr lang="en-US" smtClean="0"/>
-              <a:t>4/24/2015</a:t>
+              <a:t>4/27/2015</a:t>
             </a:fld>
             <a:endParaRPr lang="en-US"/>
           </a:p>
@@ -15078,7 +15094,7 @@
   </p:txStyles>
   <p:extLst mod="1">
     <p:ext uri="{27BBF7A9-308A-43DC-89C8-2F10F3537804}">
-      <p15:sldGuideLst xmlns:p15="http://schemas.microsoft.com/office/powerpoint/2012/main" xmlns="">
+      <p15:sldGuideLst xmlns="" xmlns:p15="http://schemas.microsoft.com/office/powerpoint/2012/main">
         <p15:guide id="1" orient="horz" pos="2160" userDrawn="1">
           <p15:clr>
             <a:srgbClr val="F26B43"/>
@@ -15139,6 +15155,1821 @@
     <p:extLst>
       <p:ext uri="{BB962C8B-B14F-4D97-AF65-F5344CB8AC3E}">
         <p14:creationId xmlns:p14="http://schemas.microsoft.com/office/powerpoint/2010/main" val="733046565"/>
+      </p:ext>
+    </p:extLst>
+  </p:cSld>
+  <p:clrMapOvr>
+    <a:masterClrMapping/>
+  </p:clrMapOvr>
+  <mc:AlternateContent xmlns:mc="http://schemas.openxmlformats.org/markup-compatibility/2006" xmlns:p14="http://schemas.microsoft.com/office/powerpoint/2010/main">
+    <mc:Choice Requires="p14">
+      <p:transition p14:dur="0"/>
+    </mc:Choice>
+    <mc:Fallback xmlns="">
+      <p:transition/>
+    </mc:Fallback>
+  </mc:AlternateContent>
+  <p:timing>
+    <p:tnLst>
+      <p:par>
+        <p:cTn id="1" dur="indefinite" restart="never" nodeType="tmRoot"/>
+      </p:par>
+    </p:tnLst>
+  </p:timing>
+</p:sld>
+</file>
+
+<file path=ppt/slides/slide10.xml><?xml version="1.0" encoding="utf-8"?>
+<p:sld xmlns:a="http://schemas.openxmlformats.org/drawingml/2006/main" xmlns:r="http://schemas.openxmlformats.org/officeDocument/2006/relationships" xmlns:p="http://schemas.openxmlformats.org/presentationml/2006/main">
+  <p:cSld>
+    <p:spTree>
+      <p:nvGrpSpPr>
+        <p:cNvPr id="1" name=""/>
+        <p:cNvGrpSpPr/>
+        <p:nvPr/>
+      </p:nvGrpSpPr>
+      <p:grpSpPr>
+        <a:xfrm>
+          <a:off x="0" y="0"/>
+          <a:ext cx="0" cy="0"/>
+          <a:chOff x="0" y="0"/>
+          <a:chExt cx="0" cy="0"/>
+        </a:xfrm>
+      </p:grpSpPr>
+      <p:sp>
+        <p:nvSpPr>
+          <p:cNvPr id="2" name="Title 1"/>
+          <p:cNvSpPr>
+            <a:spLocks noGrp="1"/>
+          </p:cNvSpPr>
+          <p:nvPr>
+            <p:ph type="title"/>
+          </p:nvPr>
+        </p:nvSpPr>
+        <p:spPr/>
+        <p:txBody>
+          <a:bodyPr/>
+          <a:lstStyle/>
+          <a:p>
+            <a:r>
+              <a:rPr lang="en-US" dirty="0" smtClean="0"/>
+              <a:t>Patterns</a:t>
+            </a:r>
+            <a:endParaRPr lang="en-US" dirty="0"/>
+          </a:p>
+        </p:txBody>
+      </p:sp>
+      <p:sp>
+        <p:nvSpPr>
+          <p:cNvPr id="3" name="Content Placeholder 2"/>
+          <p:cNvSpPr>
+            <a:spLocks noGrp="1"/>
+          </p:cNvSpPr>
+          <p:nvPr>
+            <p:ph idx="1"/>
+          </p:nvPr>
+        </p:nvSpPr>
+        <p:spPr>
+          <a:xfrm>
+            <a:off x="1295400" y="1582615"/>
+            <a:ext cx="9601200" cy="4478216"/>
+          </a:xfrm>
+        </p:spPr>
+        <p:txBody>
+          <a:bodyPr>
+            <a:normAutofit fontScale="70000" lnSpcReduction="20000"/>
+          </a:bodyPr>
+          <a:lstStyle/>
+          <a:p>
+            <a:pPr marL="0" indent="0">
+              <a:buNone/>
+            </a:pPr>
+            <a:r>
+              <a:rPr lang="en-US" b="1" i="1" dirty="0" err="1" smtClean="0"/>
+              <a:t>RepositoryPattern</a:t>
+            </a:r>
+            <a:r>
+              <a:rPr lang="en-US" b="1" i="1" dirty="0" smtClean="0"/>
+              <a:t> </a:t>
+            </a:r>
+          </a:p>
+          <a:p>
+            <a:pPr>
+              <a:buFontTx/>
+              <a:buChar char="-"/>
+            </a:pPr>
+            <a:r>
+              <a:rPr lang="en-US" dirty="0" smtClean="0"/>
+              <a:t>encapsulates </a:t>
+            </a:r>
+            <a:r>
+              <a:rPr lang="en-US" dirty="0"/>
+              <a:t>the set of objects persisted in a data store and the operations performed over them, providing a more object-oriented view of the persistence layer. </a:t>
+            </a:r>
+            <a:endParaRPr lang="en-US" dirty="0" smtClean="0"/>
+          </a:p>
+          <a:p>
+            <a:pPr>
+              <a:buFontTx/>
+              <a:buChar char="-"/>
+            </a:pPr>
+            <a:r>
+              <a:rPr lang="en-US" dirty="0" smtClean="0"/>
+              <a:t>supports </a:t>
+            </a:r>
+            <a:r>
+              <a:rPr lang="en-US" dirty="0"/>
+              <a:t>the objective of achieving a clean separation and one-way dependency between the domain and data mapping layers</a:t>
+            </a:r>
+            <a:r>
+              <a:rPr lang="en-US" dirty="0" smtClean="0"/>
+              <a:t>.</a:t>
+            </a:r>
+          </a:p>
+          <a:p>
+            <a:pPr>
+              <a:buFontTx/>
+              <a:buChar char="-"/>
+            </a:pPr>
+            <a:r>
+              <a:rPr lang="en-US" dirty="0" smtClean="0"/>
+              <a:t>allows </a:t>
+            </a:r>
+            <a:r>
+              <a:rPr lang="en-US" dirty="0"/>
+              <a:t>you to choose the </a:t>
+            </a:r>
+            <a:r>
+              <a:rPr lang="en-US" dirty="0" smtClean="0"/>
+              <a:t>DAL technology </a:t>
+            </a:r>
+            <a:r>
+              <a:rPr lang="en-US" dirty="0"/>
+              <a:t>that fits the current use case</a:t>
+            </a:r>
+            <a:r>
+              <a:rPr lang="en-US" dirty="0" smtClean="0"/>
+              <a:t>.</a:t>
+            </a:r>
+          </a:p>
+          <a:p>
+            <a:pPr>
+              <a:buFontTx/>
+              <a:buChar char="-"/>
+            </a:pPr>
+            <a:r>
+              <a:rPr lang="en-US" b="1" i="1" dirty="0"/>
+              <a:t>Do not add anything into the repository class until the very moment that you need </a:t>
+            </a:r>
+            <a:r>
+              <a:rPr lang="en-US" b="1" i="1" dirty="0" smtClean="0"/>
+              <a:t>it</a:t>
+            </a:r>
+          </a:p>
+          <a:p>
+            <a:pPr>
+              <a:buFontTx/>
+              <a:buChar char="-"/>
+            </a:pPr>
+            <a:r>
+              <a:rPr lang="en-US" dirty="0"/>
+              <a:t>Domain (business) entities vs DAL </a:t>
+            </a:r>
+            <a:r>
+              <a:rPr lang="en-US" dirty="0" smtClean="0"/>
+              <a:t>entities?</a:t>
+            </a:r>
+            <a:endParaRPr lang="en-US" dirty="0"/>
+          </a:p>
+          <a:p>
+            <a:pPr marL="0" indent="0">
+              <a:buNone/>
+            </a:pPr>
+            <a:r>
+              <a:rPr lang="en-US" b="1" i="1" dirty="0" smtClean="0"/>
+              <a:t>Beware</a:t>
+            </a:r>
+            <a:endParaRPr lang="en-US" b="1" i="1" dirty="0" smtClean="0"/>
+          </a:p>
+          <a:p>
+            <a:pPr>
+              <a:buFontTx/>
+              <a:buChar char="-"/>
+            </a:pPr>
+            <a:r>
+              <a:rPr lang="en-US" dirty="0" smtClean="0"/>
+              <a:t>Do </a:t>
+            </a:r>
+            <a:r>
+              <a:rPr lang="en-US" dirty="0"/>
+              <a:t>not expose LINQ </a:t>
+            </a:r>
+            <a:r>
+              <a:rPr lang="en-US" dirty="0" smtClean="0"/>
+              <a:t>methods</a:t>
+            </a:r>
+          </a:p>
+          <a:p>
+            <a:pPr>
+              <a:buFontTx/>
+              <a:buChar char="-"/>
+            </a:pPr>
+            <a:r>
+              <a:rPr lang="en-US" dirty="0"/>
+              <a:t>Learn about lazy </a:t>
+            </a:r>
+            <a:r>
+              <a:rPr lang="en-US" dirty="0" smtClean="0"/>
+              <a:t>loading</a:t>
+            </a:r>
+          </a:p>
+          <a:p>
+            <a:pPr>
+              <a:buFontTx/>
+              <a:buChar char="-"/>
+            </a:pPr>
+            <a:r>
+              <a:rPr lang="en-US" dirty="0" err="1"/>
+              <a:t>ToList</a:t>
+            </a:r>
+            <a:r>
+              <a:rPr lang="en-US" dirty="0"/>
+              <a:t>() before </a:t>
+            </a:r>
+            <a:r>
+              <a:rPr lang="en-US" dirty="0" smtClean="0"/>
+              <a:t>returning</a:t>
+            </a:r>
+          </a:p>
+          <a:p>
+            <a:pPr>
+              <a:buFontTx/>
+              <a:buChar char="-"/>
+            </a:pPr>
+            <a:r>
+              <a:rPr lang="en-US" dirty="0"/>
+              <a:t>Get is not </a:t>
+            </a:r>
+            <a:r>
+              <a:rPr lang="en-US" dirty="0" smtClean="0"/>
+              <a:t>search</a:t>
+            </a:r>
+          </a:p>
+          <a:p>
+            <a:pPr>
+              <a:buFontTx/>
+              <a:buChar char="-"/>
+            </a:pPr>
+            <a:endParaRPr lang="en-US" dirty="0" smtClean="0"/>
+          </a:p>
+          <a:p>
+            <a:pPr>
+              <a:buFontTx/>
+              <a:buChar char="-"/>
+            </a:pPr>
+            <a:endParaRPr lang="en-US" dirty="0"/>
+          </a:p>
+          <a:p>
+            <a:pPr>
+              <a:buFontTx/>
+              <a:buChar char="-"/>
+            </a:pPr>
+            <a:endParaRPr lang="en-US" dirty="0"/>
+          </a:p>
+          <a:p>
+            <a:pPr marL="0" indent="0">
+              <a:buNone/>
+            </a:pPr>
+            <a:endParaRPr lang="en-US" b="1" i="1" dirty="0" smtClean="0"/>
+          </a:p>
+        </p:txBody>
+      </p:sp>
+    </p:spTree>
+    <p:extLst>
+      <p:ext uri="{BB962C8B-B14F-4D97-AF65-F5344CB8AC3E}">
+        <p14:creationId xmlns:p14="http://schemas.microsoft.com/office/powerpoint/2010/main" val="3897129843"/>
+      </p:ext>
+    </p:extLst>
+  </p:cSld>
+  <p:clrMapOvr>
+    <a:masterClrMapping/>
+  </p:clrMapOvr>
+  <mc:AlternateContent xmlns:mc="http://schemas.openxmlformats.org/markup-compatibility/2006" xmlns:p14="http://schemas.microsoft.com/office/powerpoint/2010/main">
+    <mc:Choice Requires="p14">
+      <p:transition p14:dur="0"/>
+    </mc:Choice>
+    <mc:Fallback xmlns="">
+      <p:transition/>
+    </mc:Fallback>
+  </mc:AlternateContent>
+  <p:timing>
+    <p:tnLst>
+      <p:par>
+        <p:cTn id="1" dur="indefinite" restart="never" nodeType="tmRoot"/>
+      </p:par>
+    </p:tnLst>
+  </p:timing>
+</p:sld>
+</file>
+
+<file path=ppt/slides/slide11.xml><?xml version="1.0" encoding="utf-8"?>
+<p:sld xmlns:a="http://schemas.openxmlformats.org/drawingml/2006/main" xmlns:r="http://schemas.openxmlformats.org/officeDocument/2006/relationships" xmlns:p="http://schemas.openxmlformats.org/presentationml/2006/main">
+  <p:cSld>
+    <p:spTree>
+      <p:nvGrpSpPr>
+        <p:cNvPr id="1" name=""/>
+        <p:cNvGrpSpPr/>
+        <p:nvPr/>
+      </p:nvGrpSpPr>
+      <p:grpSpPr>
+        <a:xfrm>
+          <a:off x="0" y="0"/>
+          <a:ext cx="0" cy="0"/>
+          <a:chOff x="0" y="0"/>
+          <a:chExt cx="0" cy="0"/>
+        </a:xfrm>
+      </p:grpSpPr>
+      <p:sp>
+        <p:nvSpPr>
+          <p:cNvPr id="2" name="Title 1"/>
+          <p:cNvSpPr>
+            <a:spLocks noGrp="1"/>
+          </p:cNvSpPr>
+          <p:nvPr>
+            <p:ph type="title"/>
+          </p:nvPr>
+        </p:nvSpPr>
+        <p:spPr/>
+        <p:txBody>
+          <a:bodyPr/>
+          <a:lstStyle/>
+          <a:p>
+            <a:r>
+              <a:rPr lang="en-US" dirty="0" smtClean="0"/>
+              <a:t>Patterns</a:t>
+            </a:r>
+            <a:endParaRPr lang="en-US" dirty="0"/>
+          </a:p>
+        </p:txBody>
+      </p:sp>
+      <p:sp>
+        <p:nvSpPr>
+          <p:cNvPr id="3" name="Content Placeholder 2"/>
+          <p:cNvSpPr>
+            <a:spLocks noGrp="1"/>
+          </p:cNvSpPr>
+          <p:nvPr>
+            <p:ph idx="1"/>
+          </p:nvPr>
+        </p:nvSpPr>
+        <p:spPr>
+          <a:xfrm>
+            <a:off x="1248508" y="1582619"/>
+            <a:ext cx="9601200" cy="3809999"/>
+          </a:xfrm>
+        </p:spPr>
+        <p:txBody>
+          <a:bodyPr>
+            <a:normAutofit/>
+          </a:bodyPr>
+          <a:lstStyle/>
+          <a:p>
+            <a:pPr marL="0" indent="0">
+              <a:buNone/>
+            </a:pPr>
+            <a:r>
+              <a:rPr lang="en-US" b="1" i="1" dirty="0" err="1" smtClean="0"/>
+              <a:t>FactoryPattern</a:t>
+            </a:r>
+            <a:endParaRPr lang="en-US" b="1" i="1" dirty="0"/>
+          </a:p>
+          <a:p>
+            <a:pPr marL="0" indent="0">
+              <a:buNone/>
+            </a:pPr>
+            <a:endParaRPr lang="en-US" b="1" i="1" dirty="0" smtClean="0"/>
+          </a:p>
+          <a:p>
+            <a:pPr marL="0" indent="0">
+              <a:buNone/>
+            </a:pPr>
+            <a:endParaRPr lang="en-US" b="1" i="1" dirty="0" smtClean="0"/>
+          </a:p>
+        </p:txBody>
+      </p:sp>
+      <p:pic>
+        <p:nvPicPr>
+          <p:cNvPr id="4" name="Picture 2" descr="Factory Implementation - UML Class Diagram"/>
+          <p:cNvPicPr>
+            <a:picLocks noChangeAspect="1" noChangeArrowheads="1"/>
+          </p:cNvPicPr>
+          <p:nvPr/>
+        </p:nvPicPr>
+        <p:blipFill>
+          <a:blip r:embed="rId2">
+            <a:extLst>
+              <a:ext uri="{28A0092B-C50C-407E-A947-70E740481C1C}">
+                <a14:useLocalDpi xmlns:a14="http://schemas.microsoft.com/office/drawing/2010/main" val="0"/>
+              </a:ext>
+            </a:extLst>
+          </a:blip>
+          <a:srcRect/>
+          <a:stretch>
+            <a:fillRect/>
+          </a:stretch>
+        </p:blipFill>
+        <p:spPr bwMode="auto">
+          <a:xfrm>
+            <a:off x="3083168" y="2026384"/>
+            <a:ext cx="5193324" cy="3994169"/>
+          </a:xfrm>
+          <a:prstGeom prst="rect">
+            <a:avLst/>
+          </a:prstGeom>
+          <a:noFill/>
+          <a:extLst>
+            <a:ext uri="{909E8E84-426E-40DD-AFC4-6F175D3DCCD1}">
+              <a14:hiddenFill xmlns:a14="http://schemas.microsoft.com/office/drawing/2010/main">
+                <a:solidFill>
+                  <a:srgbClr val="FFFFFF"/>
+                </a:solidFill>
+              </a14:hiddenFill>
+            </a:ext>
+          </a:extLst>
+        </p:spPr>
+      </p:pic>
+    </p:spTree>
+    <p:extLst>
+      <p:ext uri="{BB962C8B-B14F-4D97-AF65-F5344CB8AC3E}">
+        <p14:creationId xmlns:p14="http://schemas.microsoft.com/office/powerpoint/2010/main" val="285632496"/>
+      </p:ext>
+    </p:extLst>
+  </p:cSld>
+  <p:clrMapOvr>
+    <a:masterClrMapping/>
+  </p:clrMapOvr>
+  <mc:AlternateContent xmlns:mc="http://schemas.openxmlformats.org/markup-compatibility/2006" xmlns:p14="http://schemas.microsoft.com/office/powerpoint/2010/main">
+    <mc:Choice Requires="p14">
+      <p:transition p14:dur="0"/>
+    </mc:Choice>
+    <mc:Fallback xmlns="">
+      <p:transition/>
+    </mc:Fallback>
+  </mc:AlternateContent>
+  <p:timing>
+    <p:tnLst>
+      <p:par>
+        <p:cTn id="1" dur="indefinite" restart="never" nodeType="tmRoot"/>
+      </p:par>
+    </p:tnLst>
+  </p:timing>
+</p:sld>
+</file>
+
+<file path=ppt/slides/slide12.xml><?xml version="1.0" encoding="utf-8"?>
+<p:sld xmlns:a="http://schemas.openxmlformats.org/drawingml/2006/main" xmlns:r="http://schemas.openxmlformats.org/officeDocument/2006/relationships" xmlns:p="http://schemas.openxmlformats.org/presentationml/2006/main">
+  <p:cSld>
+    <p:spTree>
+      <p:nvGrpSpPr>
+        <p:cNvPr id="1" name=""/>
+        <p:cNvGrpSpPr/>
+        <p:nvPr/>
+      </p:nvGrpSpPr>
+      <p:grpSpPr>
+        <a:xfrm>
+          <a:off x="0" y="0"/>
+          <a:ext cx="0" cy="0"/>
+          <a:chOff x="0" y="0"/>
+          <a:chExt cx="0" cy="0"/>
+        </a:xfrm>
+      </p:grpSpPr>
+      <p:sp>
+        <p:nvSpPr>
+          <p:cNvPr id="2" name="Title 1"/>
+          <p:cNvSpPr>
+            <a:spLocks noGrp="1"/>
+          </p:cNvSpPr>
+          <p:nvPr>
+            <p:ph type="title"/>
+          </p:nvPr>
+        </p:nvSpPr>
+        <p:spPr/>
+        <p:txBody>
+          <a:bodyPr/>
+          <a:lstStyle/>
+          <a:p>
+            <a:r>
+              <a:rPr lang="en-US" dirty="0" smtClean="0"/>
+              <a:t>Patterns</a:t>
+            </a:r>
+            <a:endParaRPr lang="en-US" dirty="0"/>
+          </a:p>
+        </p:txBody>
+      </p:sp>
+      <p:sp>
+        <p:nvSpPr>
+          <p:cNvPr id="3" name="Content Placeholder 2"/>
+          <p:cNvSpPr>
+            <a:spLocks noGrp="1"/>
+          </p:cNvSpPr>
+          <p:nvPr>
+            <p:ph idx="1"/>
+          </p:nvPr>
+        </p:nvSpPr>
+        <p:spPr>
+          <a:xfrm>
+            <a:off x="1295400" y="1582615"/>
+            <a:ext cx="9601200" cy="4478216"/>
+          </a:xfrm>
+        </p:spPr>
+        <p:txBody>
+          <a:bodyPr>
+            <a:normAutofit/>
+          </a:bodyPr>
+          <a:lstStyle/>
+          <a:p>
+            <a:pPr marL="0" indent="0">
+              <a:buNone/>
+            </a:pPr>
+            <a:r>
+              <a:rPr lang="en-US" b="1" i="1" dirty="0" err="1" smtClean="0"/>
+              <a:t>FactoryPattern</a:t>
+            </a:r>
+            <a:r>
+              <a:rPr lang="en-US" b="1" i="1" dirty="0" smtClean="0"/>
+              <a:t> </a:t>
+            </a:r>
+          </a:p>
+          <a:p>
+            <a:pPr marL="0" indent="0">
+              <a:buNone/>
+            </a:pPr>
+            <a:r>
+              <a:rPr lang="en-US" dirty="0" smtClean="0"/>
+              <a:t>-“</a:t>
+            </a:r>
+            <a:r>
+              <a:rPr lang="en-US" dirty="0"/>
+              <a:t>new</a:t>
+            </a:r>
+            <a:r>
+              <a:rPr lang="en-US" dirty="0"/>
+              <a:t>” </a:t>
+            </a:r>
+            <a:r>
+              <a:rPr lang="en-US" dirty="0" smtClean="0"/>
+              <a:t>keyword, under </a:t>
+            </a:r>
+            <a:r>
+              <a:rPr lang="en-US" dirty="0"/>
+              <a:t>the hood you are </a:t>
+            </a:r>
+            <a:r>
+              <a:rPr lang="en-US" dirty="0" smtClean="0"/>
+              <a:t>introducing </a:t>
+            </a:r>
+            <a:r>
+              <a:rPr lang="en-US" dirty="0"/>
+              <a:t>coupling within your </a:t>
+            </a:r>
+            <a:r>
+              <a:rPr lang="en-US" dirty="0" smtClean="0"/>
+              <a:t>application</a:t>
+            </a:r>
+          </a:p>
+          <a:p>
+            <a:pPr marL="0" indent="0">
+              <a:buNone/>
+            </a:pPr>
+            <a:r>
+              <a:rPr lang="en-US" dirty="0" smtClean="0"/>
+              <a:t>-define abstractions (abstract classes, interfaces)</a:t>
+            </a:r>
+          </a:p>
+          <a:p>
+            <a:pPr marL="0" indent="0">
+              <a:buNone/>
+            </a:pPr>
+            <a:r>
+              <a:rPr lang="en-US" b="1" i="1" dirty="0" smtClean="0"/>
+              <a:t>-</a:t>
+            </a:r>
+            <a:r>
+              <a:rPr lang="en-US" dirty="0" smtClean="0"/>
+              <a:t>isolate creation and move it to a dedicated class called Factory</a:t>
+            </a:r>
+            <a:endParaRPr lang="en-US" b="1" i="1" dirty="0" smtClean="0"/>
+          </a:p>
+          <a:p>
+            <a:pPr marL="0" indent="0">
+              <a:buNone/>
+            </a:pPr>
+            <a:endParaRPr lang="en-US" b="1" i="1" dirty="0" smtClean="0"/>
+          </a:p>
+          <a:p>
+            <a:pPr>
+              <a:buFontTx/>
+              <a:buChar char="-"/>
+            </a:pPr>
+            <a:endParaRPr lang="en-US" dirty="0" smtClean="0"/>
+          </a:p>
+          <a:p>
+            <a:pPr>
+              <a:buFontTx/>
+              <a:buChar char="-"/>
+            </a:pPr>
+            <a:endParaRPr lang="en-US" dirty="0"/>
+          </a:p>
+          <a:p>
+            <a:pPr>
+              <a:buFontTx/>
+              <a:buChar char="-"/>
+            </a:pPr>
+            <a:endParaRPr lang="en-US" dirty="0"/>
+          </a:p>
+          <a:p>
+            <a:pPr marL="0" indent="0">
+              <a:buNone/>
+            </a:pPr>
+            <a:endParaRPr lang="en-US" b="1" i="1" dirty="0" smtClean="0"/>
+          </a:p>
+        </p:txBody>
+      </p:sp>
+    </p:spTree>
+    <p:extLst>
+      <p:ext uri="{BB962C8B-B14F-4D97-AF65-F5344CB8AC3E}">
+        <p14:creationId xmlns:p14="http://schemas.microsoft.com/office/powerpoint/2010/main" val="3826544495"/>
+      </p:ext>
+    </p:extLst>
+  </p:cSld>
+  <p:clrMapOvr>
+    <a:masterClrMapping/>
+  </p:clrMapOvr>
+  <mc:AlternateContent xmlns:mc="http://schemas.openxmlformats.org/markup-compatibility/2006" xmlns:p14="http://schemas.microsoft.com/office/powerpoint/2010/main">
+    <mc:Choice Requires="p14">
+      <p:transition p14:dur="0"/>
+    </mc:Choice>
+    <mc:Fallback xmlns="">
+      <p:transition/>
+    </mc:Fallback>
+  </mc:AlternateContent>
+  <p:timing>
+    <p:tnLst>
+      <p:par>
+        <p:cTn id="1" dur="indefinite" restart="never" nodeType="tmRoot"/>
+      </p:par>
+    </p:tnLst>
+  </p:timing>
+</p:sld>
+</file>
+
+<file path=ppt/slides/slide13.xml><?xml version="1.0" encoding="utf-8"?>
+<p:sld xmlns:a="http://schemas.openxmlformats.org/drawingml/2006/main" xmlns:r="http://schemas.openxmlformats.org/officeDocument/2006/relationships" xmlns:p="http://schemas.openxmlformats.org/presentationml/2006/main">
+  <p:cSld>
+    <p:spTree>
+      <p:nvGrpSpPr>
+        <p:cNvPr id="1" name=""/>
+        <p:cNvGrpSpPr/>
+        <p:nvPr/>
+      </p:nvGrpSpPr>
+      <p:grpSpPr>
+        <a:xfrm>
+          <a:off x="0" y="0"/>
+          <a:ext cx="0" cy="0"/>
+          <a:chOff x="0" y="0"/>
+          <a:chExt cx="0" cy="0"/>
+        </a:xfrm>
+      </p:grpSpPr>
+      <p:sp>
+        <p:nvSpPr>
+          <p:cNvPr id="2" name="Title 1"/>
+          <p:cNvSpPr>
+            <a:spLocks noGrp="1"/>
+          </p:cNvSpPr>
+          <p:nvPr>
+            <p:ph type="title"/>
+          </p:nvPr>
+        </p:nvSpPr>
+        <p:spPr/>
+        <p:txBody>
+          <a:bodyPr/>
+          <a:lstStyle/>
+          <a:p>
+            <a:r>
+              <a:rPr lang="en-US" dirty="0" smtClean="0"/>
+              <a:t>Libraries</a:t>
+            </a:r>
+            <a:endParaRPr lang="en-US" dirty="0"/>
+          </a:p>
+        </p:txBody>
+      </p:sp>
+      <p:sp>
+        <p:nvSpPr>
+          <p:cNvPr id="3" name="Content Placeholder 2"/>
+          <p:cNvSpPr>
+            <a:spLocks noGrp="1"/>
+          </p:cNvSpPr>
+          <p:nvPr>
+            <p:ph idx="1"/>
+          </p:nvPr>
+        </p:nvSpPr>
+        <p:spPr/>
+        <p:txBody>
+          <a:bodyPr/>
+          <a:lstStyle/>
+          <a:p>
+            <a:pPr marL="0" indent="0">
+              <a:buNone/>
+            </a:pPr>
+            <a:r>
+              <a:rPr lang="en-US" b="1" i="1" dirty="0" smtClean="0"/>
+              <a:t>Loggers</a:t>
+            </a:r>
+          </a:p>
+          <a:p>
+            <a:pPr marL="0" indent="0">
+              <a:buNone/>
+            </a:pPr>
+            <a:r>
+              <a:rPr lang="en-US" b="1" i="1" dirty="0" smtClean="0"/>
+              <a:t>-</a:t>
+            </a:r>
+            <a:r>
+              <a:rPr lang="en-US" dirty="0" smtClean="0"/>
+              <a:t>logging of different types of messages</a:t>
+            </a:r>
+          </a:p>
+          <a:p>
+            <a:pPr marL="0" indent="0">
+              <a:buNone/>
+            </a:pPr>
+            <a:r>
+              <a:rPr lang="en-US" dirty="0" smtClean="0"/>
+              <a:t>-existing libraries (Log4Net, </a:t>
+            </a:r>
+            <a:r>
+              <a:rPr lang="en-US" dirty="0" err="1" smtClean="0"/>
+              <a:t>NLog</a:t>
+            </a:r>
+            <a:r>
+              <a:rPr lang="en-US" dirty="0"/>
+              <a:t>)</a:t>
+            </a:r>
+            <a:endParaRPr lang="en-US" dirty="0" smtClean="0"/>
+          </a:p>
+          <a:p>
+            <a:pPr marL="0" indent="0">
+              <a:buNone/>
+            </a:pPr>
+            <a:r>
+              <a:rPr lang="en-US" b="1" i="1" dirty="0" err="1" smtClean="0"/>
+              <a:t>IoC</a:t>
+            </a:r>
+            <a:r>
+              <a:rPr lang="en-US" b="1" i="1" dirty="0" smtClean="0"/>
+              <a:t> container</a:t>
+            </a:r>
+          </a:p>
+          <a:p>
+            <a:pPr marL="0" indent="0">
+              <a:buNone/>
+            </a:pPr>
+            <a:r>
+              <a:rPr lang="en-US" dirty="0" smtClean="0"/>
+              <a:t>-containers used to implement the Dependency Inversion principle</a:t>
+            </a:r>
+          </a:p>
+          <a:p>
+            <a:pPr marL="0" indent="0">
+              <a:buNone/>
+            </a:pPr>
+            <a:r>
+              <a:rPr lang="en-US" dirty="0" smtClean="0"/>
+              <a:t>-existing libraries (</a:t>
+            </a:r>
+            <a:r>
+              <a:rPr lang="en-US" dirty="0" err="1" smtClean="0"/>
+              <a:t>Autofac</a:t>
+            </a:r>
+            <a:r>
+              <a:rPr lang="en-US" dirty="0" smtClean="0"/>
+              <a:t>, </a:t>
+            </a:r>
+            <a:r>
+              <a:rPr lang="en-US" dirty="0" err="1" smtClean="0"/>
+              <a:t>Ninject</a:t>
+            </a:r>
+            <a:r>
+              <a:rPr lang="en-US" dirty="0" smtClean="0"/>
+              <a:t>, Unity …)</a:t>
+            </a:r>
+            <a:endParaRPr lang="en-US" dirty="0" smtClean="0"/>
+          </a:p>
+          <a:p>
+            <a:pPr marL="0" indent="0">
+              <a:buNone/>
+            </a:pPr>
+            <a:endParaRPr lang="en-US" b="1" i="1" dirty="0" smtClean="0"/>
+          </a:p>
+        </p:txBody>
+      </p:sp>
+    </p:spTree>
+    <p:extLst>
+      <p:ext uri="{BB962C8B-B14F-4D97-AF65-F5344CB8AC3E}">
+        <p14:creationId xmlns:p14="http://schemas.microsoft.com/office/powerpoint/2010/main" val="220825831"/>
+      </p:ext>
+    </p:extLst>
+  </p:cSld>
+  <p:clrMapOvr>
+    <a:masterClrMapping/>
+  </p:clrMapOvr>
+  <mc:AlternateContent xmlns:mc="http://schemas.openxmlformats.org/markup-compatibility/2006" xmlns:p14="http://schemas.microsoft.com/office/powerpoint/2010/main">
+    <mc:Choice Requires="p14">
+      <p:transition p14:dur="0"/>
+    </mc:Choice>
+    <mc:Fallback xmlns="">
+      <p:transition/>
+    </mc:Fallback>
+  </mc:AlternateContent>
+  <p:timing>
+    <p:tnLst>
+      <p:par>
+        <p:cTn id="1" dur="indefinite" restart="never" nodeType="tmRoot"/>
+      </p:par>
+    </p:tnLst>
+  </p:timing>
+</p:sld>
+</file>
+
+<file path=ppt/slides/slide14.xml><?xml version="1.0" encoding="utf-8"?>
+<p:sld xmlns:a="http://schemas.openxmlformats.org/drawingml/2006/main" xmlns:r="http://schemas.openxmlformats.org/officeDocument/2006/relationships" xmlns:p="http://schemas.openxmlformats.org/presentationml/2006/main">
+  <p:cSld>
+    <p:spTree>
+      <p:nvGrpSpPr>
+        <p:cNvPr id="1" name=""/>
+        <p:cNvGrpSpPr/>
+        <p:nvPr/>
+      </p:nvGrpSpPr>
+      <p:grpSpPr>
+        <a:xfrm>
+          <a:off x="0" y="0"/>
+          <a:ext cx="0" cy="0"/>
+          <a:chOff x="0" y="0"/>
+          <a:chExt cx="0" cy="0"/>
+        </a:xfrm>
+      </p:grpSpPr>
+      <p:sp>
+        <p:nvSpPr>
+          <p:cNvPr id="4" name="Title 3"/>
+          <p:cNvSpPr>
+            <a:spLocks noGrp="1"/>
+          </p:cNvSpPr>
+          <p:nvPr>
+            <p:ph type="title"/>
+          </p:nvPr>
+        </p:nvSpPr>
+        <p:spPr/>
+        <p:txBody>
+          <a:bodyPr>
+            <a:normAutofit/>
+          </a:bodyPr>
+          <a:lstStyle/>
+          <a:p>
+            <a:r>
+              <a:rPr lang="en-US" sz="5400" dirty="0" smtClean="0"/>
+              <a:t>Unit testing</a:t>
+            </a:r>
+            <a:endParaRPr lang="en-US" sz="5400" dirty="0"/>
+          </a:p>
+        </p:txBody>
+      </p:sp>
+    </p:spTree>
+    <p:extLst>
+      <p:ext uri="{BB962C8B-B14F-4D97-AF65-F5344CB8AC3E}">
+        <p14:creationId xmlns:p14="http://schemas.microsoft.com/office/powerpoint/2010/main" val="2278007080"/>
+      </p:ext>
+    </p:extLst>
+  </p:cSld>
+  <p:clrMapOvr>
+    <a:masterClrMapping/>
+  </p:clrMapOvr>
+  <mc:AlternateContent xmlns:mc="http://schemas.openxmlformats.org/markup-compatibility/2006" xmlns:p14="http://schemas.microsoft.com/office/powerpoint/2010/main">
+    <mc:Choice Requires="p14">
+      <p:transition p14:dur="0"/>
+    </mc:Choice>
+    <mc:Fallback xmlns="">
+      <p:transition/>
+    </mc:Fallback>
+  </mc:AlternateContent>
+  <p:timing>
+    <p:tnLst>
+      <p:par>
+        <p:cTn id="1" dur="indefinite" restart="never" nodeType="tmRoot"/>
+      </p:par>
+    </p:tnLst>
+  </p:timing>
+</p:sld>
+</file>
+
+<file path=ppt/slides/slide15.xml><?xml version="1.0" encoding="utf-8"?>
+<p:sld xmlns:a="http://schemas.openxmlformats.org/drawingml/2006/main" xmlns:r="http://schemas.openxmlformats.org/officeDocument/2006/relationships" xmlns:p="http://schemas.openxmlformats.org/presentationml/2006/main">
+  <p:cSld>
+    <p:spTree>
+      <p:nvGrpSpPr>
+        <p:cNvPr id="1" name=""/>
+        <p:cNvGrpSpPr/>
+        <p:nvPr/>
+      </p:nvGrpSpPr>
+      <p:grpSpPr>
+        <a:xfrm>
+          <a:off x="0" y="0"/>
+          <a:ext cx="0" cy="0"/>
+          <a:chOff x="0" y="0"/>
+          <a:chExt cx="0" cy="0"/>
+        </a:xfrm>
+      </p:grpSpPr>
+      <p:sp>
+        <p:nvSpPr>
+          <p:cNvPr id="2" name="Title 1"/>
+          <p:cNvSpPr>
+            <a:spLocks noGrp="1"/>
+          </p:cNvSpPr>
+          <p:nvPr>
+            <p:ph type="title"/>
+          </p:nvPr>
+        </p:nvSpPr>
+        <p:spPr/>
+        <p:txBody>
+          <a:bodyPr/>
+          <a:lstStyle/>
+          <a:p>
+            <a:r>
+              <a:rPr lang="en-US" dirty="0" smtClean="0"/>
+              <a:t>Introduction</a:t>
+            </a:r>
+            <a:endParaRPr lang="en-US" dirty="0"/>
+          </a:p>
+        </p:txBody>
+      </p:sp>
+      <p:sp>
+        <p:nvSpPr>
+          <p:cNvPr id="3" name="Content Placeholder 2"/>
+          <p:cNvSpPr>
+            <a:spLocks noGrp="1"/>
+          </p:cNvSpPr>
+          <p:nvPr>
+            <p:ph idx="1"/>
+          </p:nvPr>
+        </p:nvSpPr>
+        <p:spPr/>
+        <p:txBody>
+          <a:bodyPr/>
+          <a:lstStyle/>
+          <a:p>
+            <a:pPr lvl="1"/>
+            <a:r>
+              <a:rPr lang="en-GB" sz="1600" dirty="0" smtClean="0"/>
+              <a:t>Testing </a:t>
+            </a:r>
+            <a:r>
+              <a:rPr lang="en-GB" sz="1600" dirty="0"/>
+              <a:t>Methods </a:t>
+            </a:r>
+          </a:p>
+          <a:p>
+            <a:pPr lvl="1"/>
+            <a:r>
+              <a:rPr lang="en-GB" sz="1600" dirty="0"/>
+              <a:t>Levels of Testing </a:t>
+            </a:r>
+          </a:p>
+          <a:p>
+            <a:pPr lvl="1"/>
+            <a:r>
+              <a:rPr lang="en-GB" sz="1600" dirty="0"/>
+              <a:t>Testing Practices and </a:t>
+            </a:r>
+            <a:r>
+              <a:rPr lang="en-GB" sz="1600" dirty="0" smtClean="0"/>
+              <a:t>Methodologies</a:t>
+            </a:r>
+          </a:p>
+          <a:p>
+            <a:pPr lvl="1"/>
+            <a:r>
+              <a:rPr lang="en-GB" sz="1600" dirty="0" smtClean="0"/>
+              <a:t>What is </a:t>
+            </a:r>
+            <a:r>
+              <a:rPr lang="en-GB" sz="1600" dirty="0" err="1" smtClean="0"/>
+              <a:t>UnitTesting</a:t>
+            </a:r>
+            <a:r>
+              <a:rPr lang="en-GB" sz="1600" dirty="0" smtClean="0"/>
+              <a:t>?</a:t>
+            </a:r>
+            <a:endParaRPr lang="en-GB" sz="1600" dirty="0"/>
+          </a:p>
+          <a:p>
+            <a:pPr lvl="1"/>
+            <a:r>
+              <a:rPr lang="en-GB" sz="1600" dirty="0"/>
+              <a:t>Unit Testing Frameworks</a:t>
+            </a:r>
+            <a:endParaRPr lang="en-US" b="1" i="1" dirty="0" smtClean="0"/>
+          </a:p>
+        </p:txBody>
+      </p:sp>
+    </p:spTree>
+    <p:extLst>
+      <p:ext uri="{BB962C8B-B14F-4D97-AF65-F5344CB8AC3E}">
+        <p14:creationId xmlns:p14="http://schemas.microsoft.com/office/powerpoint/2010/main" val="3917896070"/>
+      </p:ext>
+    </p:extLst>
+  </p:cSld>
+  <p:clrMapOvr>
+    <a:masterClrMapping/>
+  </p:clrMapOvr>
+  <mc:AlternateContent xmlns:mc="http://schemas.openxmlformats.org/markup-compatibility/2006" xmlns:p14="http://schemas.microsoft.com/office/powerpoint/2010/main">
+    <mc:Choice Requires="p14">
+      <p:transition p14:dur="0"/>
+    </mc:Choice>
+    <mc:Fallback xmlns="">
+      <p:transition/>
+    </mc:Fallback>
+  </mc:AlternateContent>
+  <p:timing>
+    <p:tnLst>
+      <p:par>
+        <p:cTn id="1" dur="indefinite" restart="never" nodeType="tmRoot"/>
+      </p:par>
+    </p:tnLst>
+  </p:timing>
+</p:sld>
+</file>
+
+<file path=ppt/slides/slide16.xml><?xml version="1.0" encoding="utf-8"?>
+<p:sld xmlns:a="http://schemas.openxmlformats.org/drawingml/2006/main" xmlns:r="http://schemas.openxmlformats.org/officeDocument/2006/relationships" xmlns:p="http://schemas.openxmlformats.org/presentationml/2006/main">
+  <p:cSld>
+    <p:spTree>
+      <p:nvGrpSpPr>
+        <p:cNvPr id="1" name=""/>
+        <p:cNvGrpSpPr/>
+        <p:nvPr/>
+      </p:nvGrpSpPr>
+      <p:grpSpPr>
+        <a:xfrm>
+          <a:off x="0" y="0"/>
+          <a:ext cx="0" cy="0"/>
+          <a:chOff x="0" y="0"/>
+          <a:chExt cx="0" cy="0"/>
+        </a:xfrm>
+      </p:grpSpPr>
+      <p:sp>
+        <p:nvSpPr>
+          <p:cNvPr id="2" name="Title 1"/>
+          <p:cNvSpPr>
+            <a:spLocks noGrp="1"/>
+          </p:cNvSpPr>
+          <p:nvPr>
+            <p:ph type="title"/>
+          </p:nvPr>
+        </p:nvSpPr>
+        <p:spPr/>
+        <p:txBody>
+          <a:bodyPr/>
+          <a:lstStyle/>
+          <a:p>
+            <a:r>
+              <a:rPr lang="en-US" dirty="0" smtClean="0"/>
+              <a:t>Test double patterns</a:t>
+            </a:r>
+            <a:endParaRPr lang="en-US" dirty="0"/>
+          </a:p>
+        </p:txBody>
+      </p:sp>
+      <p:sp>
+        <p:nvSpPr>
+          <p:cNvPr id="3" name="Content Placeholder 2"/>
+          <p:cNvSpPr>
+            <a:spLocks noGrp="1"/>
+          </p:cNvSpPr>
+          <p:nvPr>
+            <p:ph idx="1"/>
+          </p:nvPr>
+        </p:nvSpPr>
+        <p:spPr/>
+        <p:txBody>
+          <a:bodyPr/>
+          <a:lstStyle/>
+          <a:p>
+            <a:pPr lvl="1"/>
+            <a:r>
+              <a:rPr lang="en-GB" sz="1600" dirty="0" smtClean="0"/>
+              <a:t>Test </a:t>
+            </a:r>
+            <a:r>
+              <a:rPr lang="en-GB" sz="1600" dirty="0"/>
+              <a:t>Stub</a:t>
+            </a:r>
+          </a:p>
+          <a:p>
+            <a:pPr lvl="1"/>
+            <a:r>
+              <a:rPr lang="en-GB" sz="1600" dirty="0"/>
+              <a:t>Test Spy</a:t>
+            </a:r>
+          </a:p>
+          <a:p>
+            <a:pPr lvl="1"/>
+            <a:r>
+              <a:rPr lang="en-GB" sz="1600" dirty="0"/>
+              <a:t>Mock Object</a:t>
+            </a:r>
+          </a:p>
+          <a:p>
+            <a:pPr lvl="1"/>
+            <a:r>
+              <a:rPr lang="en-GB" sz="1600" dirty="0"/>
+              <a:t>Fake Object</a:t>
+            </a:r>
+            <a:endParaRPr lang="en-GB" sz="1600" dirty="0"/>
+          </a:p>
+        </p:txBody>
+      </p:sp>
+    </p:spTree>
+    <p:extLst>
+      <p:ext uri="{BB962C8B-B14F-4D97-AF65-F5344CB8AC3E}">
+        <p14:creationId xmlns:p14="http://schemas.microsoft.com/office/powerpoint/2010/main" val="1333742669"/>
+      </p:ext>
+    </p:extLst>
+  </p:cSld>
+  <p:clrMapOvr>
+    <a:masterClrMapping/>
+  </p:clrMapOvr>
+  <mc:AlternateContent xmlns:mc="http://schemas.openxmlformats.org/markup-compatibility/2006" xmlns:p14="http://schemas.microsoft.com/office/powerpoint/2010/main">
+    <mc:Choice Requires="p14">
+      <p:transition p14:dur="0"/>
+    </mc:Choice>
+    <mc:Fallback xmlns="">
+      <p:transition/>
+    </mc:Fallback>
+  </mc:AlternateContent>
+  <p:timing>
+    <p:tnLst>
+      <p:par>
+        <p:cTn id="1" dur="indefinite" restart="never" nodeType="tmRoot"/>
+      </p:par>
+    </p:tnLst>
+  </p:timing>
+</p:sld>
+</file>
+
+<file path=ppt/slides/slide17.xml><?xml version="1.0" encoding="utf-8"?>
+<p:sld xmlns:a="http://schemas.openxmlformats.org/drawingml/2006/main" xmlns:r="http://schemas.openxmlformats.org/officeDocument/2006/relationships" xmlns:p="http://schemas.openxmlformats.org/presentationml/2006/main">
+  <p:cSld>
+    <p:spTree>
+      <p:nvGrpSpPr>
+        <p:cNvPr id="1" name=""/>
+        <p:cNvGrpSpPr/>
+        <p:nvPr/>
+      </p:nvGrpSpPr>
+      <p:grpSpPr>
+        <a:xfrm>
+          <a:off x="0" y="0"/>
+          <a:ext cx="0" cy="0"/>
+          <a:chOff x="0" y="0"/>
+          <a:chExt cx="0" cy="0"/>
+        </a:xfrm>
+      </p:grpSpPr>
+      <p:sp>
+        <p:nvSpPr>
+          <p:cNvPr id="2" name="Title 1"/>
+          <p:cNvSpPr>
+            <a:spLocks noGrp="1"/>
+          </p:cNvSpPr>
+          <p:nvPr>
+            <p:ph type="title"/>
+          </p:nvPr>
+        </p:nvSpPr>
+        <p:spPr/>
+        <p:txBody>
+          <a:bodyPr/>
+          <a:lstStyle/>
+          <a:p>
+            <a:r>
+              <a:rPr lang="en-US" dirty="0" err="1" smtClean="0"/>
+              <a:t>MSTest</a:t>
+            </a:r>
+            <a:r>
+              <a:rPr lang="en-US" dirty="0" smtClean="0"/>
+              <a:t> framework</a:t>
+            </a:r>
+            <a:endParaRPr lang="en-US" dirty="0"/>
+          </a:p>
+        </p:txBody>
+      </p:sp>
+      <p:sp>
+        <p:nvSpPr>
+          <p:cNvPr id="3" name="Content Placeholder 2"/>
+          <p:cNvSpPr>
+            <a:spLocks noGrp="1"/>
+          </p:cNvSpPr>
+          <p:nvPr>
+            <p:ph idx="1"/>
+          </p:nvPr>
+        </p:nvSpPr>
+        <p:spPr>
+          <a:xfrm>
+            <a:off x="1295400" y="1594339"/>
+            <a:ext cx="9601200" cy="4196862"/>
+          </a:xfrm>
+        </p:spPr>
+        <p:txBody>
+          <a:bodyPr>
+            <a:normAutofit fontScale="92500" lnSpcReduction="10000"/>
+          </a:bodyPr>
+          <a:lstStyle/>
+          <a:p>
+            <a:r>
+              <a:rPr lang="en-US" sz="2400" b="1" dirty="0"/>
+              <a:t>Attributes</a:t>
+            </a:r>
+          </a:p>
+          <a:p>
+            <a:pPr lvl="1"/>
+            <a:r>
+              <a:rPr lang="en-US" sz="2000" i="1" dirty="0"/>
+              <a:t>Attributes Used to Identify Test Classes and Methods (Example 01)</a:t>
+            </a:r>
+          </a:p>
+          <a:p>
+            <a:pPr lvl="2"/>
+            <a:r>
+              <a:rPr lang="en-US" sz="2000" b="1" i="1" dirty="0" err="1"/>
+              <a:t>TestClassAttribute</a:t>
+            </a:r>
+            <a:endParaRPr lang="en-US" sz="2000" b="1" i="1" dirty="0"/>
+          </a:p>
+          <a:p>
+            <a:pPr lvl="2"/>
+            <a:r>
+              <a:rPr lang="en-US" sz="2000" b="1" i="1" dirty="0" err="1"/>
+              <a:t>TestMethodAttribute</a:t>
+            </a:r>
+            <a:endParaRPr lang="en-US" sz="2000" b="1" i="1" dirty="0"/>
+          </a:p>
+          <a:p>
+            <a:pPr lvl="1"/>
+            <a:r>
+              <a:rPr lang="en-US" sz="2000" i="1" dirty="0"/>
+              <a:t>Attributes Used to Establish a Calling Order (Example 01)</a:t>
+            </a:r>
+          </a:p>
+          <a:p>
+            <a:pPr lvl="2"/>
+            <a:r>
+              <a:rPr lang="en-US" sz="2000" b="1" i="1" dirty="0" err="1"/>
+              <a:t>AssemblyInitializeAttribute</a:t>
+            </a:r>
+            <a:r>
+              <a:rPr lang="en-US" sz="2000" b="1" i="1" dirty="0"/>
+              <a:t> (Don’t use in ASP.NET tests)</a:t>
+            </a:r>
+          </a:p>
+          <a:p>
+            <a:pPr lvl="2"/>
+            <a:r>
+              <a:rPr lang="en-US" sz="2000" b="1" i="1" dirty="0" err="1"/>
+              <a:t>AssemblyCleanupAttribute</a:t>
+            </a:r>
+            <a:r>
+              <a:rPr lang="en-US" sz="2000" b="1" i="1" dirty="0"/>
+              <a:t> (Don’t use in ASP.NET tests)</a:t>
+            </a:r>
+          </a:p>
+          <a:p>
+            <a:pPr lvl="2"/>
+            <a:r>
+              <a:rPr lang="en-US" sz="2000" b="1" i="1" dirty="0" err="1"/>
+              <a:t>ClassInitializeAttribute</a:t>
+            </a:r>
+            <a:r>
+              <a:rPr lang="en-US" sz="2000" b="1" i="1" dirty="0"/>
+              <a:t> (Don’t use in ASP.NET tests)</a:t>
+            </a:r>
+          </a:p>
+          <a:p>
+            <a:pPr lvl="2"/>
+            <a:r>
+              <a:rPr lang="en-US" sz="2000" b="1" i="1" dirty="0" err="1"/>
+              <a:t>ClassInitializeAttribute</a:t>
+            </a:r>
+            <a:r>
+              <a:rPr lang="en-US" sz="2000" b="1" i="1" dirty="0"/>
+              <a:t> (Don’t use in ASP.NET tests)</a:t>
+            </a:r>
+          </a:p>
+          <a:p>
+            <a:pPr lvl="2"/>
+            <a:r>
+              <a:rPr lang="en-US" sz="2000" b="1" i="1" dirty="0" err="1"/>
+              <a:t>TestInitializeAttribute</a:t>
+            </a:r>
+            <a:endParaRPr lang="en-US" sz="2000" b="1" i="1" dirty="0"/>
+          </a:p>
+          <a:p>
+            <a:pPr lvl="2"/>
+            <a:r>
+              <a:rPr lang="en-US" sz="2000" b="1" i="1" dirty="0" err="1"/>
+              <a:t>TestCleanupAttribute</a:t>
+            </a:r>
+            <a:endParaRPr lang="en-US" sz="2000" i="1" dirty="0"/>
+          </a:p>
+          <a:p>
+            <a:pPr lvl="1"/>
+            <a:r>
+              <a:rPr lang="en-US" sz="2000" i="1" dirty="0"/>
+              <a:t>Attributes for Identifying and Sorting Tests (Example 01)</a:t>
+            </a:r>
+          </a:p>
+          <a:p>
+            <a:pPr marL="274320" lvl="1" indent="0">
+              <a:buNone/>
+            </a:pPr>
+            <a:endParaRPr lang="en-GB" sz="1600" dirty="0"/>
+          </a:p>
+        </p:txBody>
+      </p:sp>
+    </p:spTree>
+    <p:extLst>
+      <p:ext uri="{BB962C8B-B14F-4D97-AF65-F5344CB8AC3E}">
+        <p14:creationId xmlns:p14="http://schemas.microsoft.com/office/powerpoint/2010/main" val="515720119"/>
+      </p:ext>
+    </p:extLst>
+  </p:cSld>
+  <p:clrMapOvr>
+    <a:masterClrMapping/>
+  </p:clrMapOvr>
+  <mc:AlternateContent xmlns:mc="http://schemas.openxmlformats.org/markup-compatibility/2006" xmlns:p14="http://schemas.microsoft.com/office/powerpoint/2010/main">
+    <mc:Choice Requires="p14">
+      <p:transition p14:dur="0"/>
+    </mc:Choice>
+    <mc:Fallback xmlns="">
+      <p:transition/>
+    </mc:Fallback>
+  </mc:AlternateContent>
+  <p:timing>
+    <p:tnLst>
+      <p:par>
+        <p:cTn id="1" dur="indefinite" restart="never" nodeType="tmRoot"/>
+      </p:par>
+    </p:tnLst>
+  </p:timing>
+</p:sld>
+</file>
+
+<file path=ppt/slides/slide18.xml><?xml version="1.0" encoding="utf-8"?>
+<p:sld xmlns:a="http://schemas.openxmlformats.org/drawingml/2006/main" xmlns:r="http://schemas.openxmlformats.org/officeDocument/2006/relationships" xmlns:p="http://schemas.openxmlformats.org/presentationml/2006/main">
+  <p:cSld>
+    <p:spTree>
+      <p:nvGrpSpPr>
+        <p:cNvPr id="1" name=""/>
+        <p:cNvGrpSpPr/>
+        <p:nvPr/>
+      </p:nvGrpSpPr>
+      <p:grpSpPr>
+        <a:xfrm>
+          <a:off x="0" y="0"/>
+          <a:ext cx="0" cy="0"/>
+          <a:chOff x="0" y="0"/>
+          <a:chExt cx="0" cy="0"/>
+        </a:xfrm>
+      </p:grpSpPr>
+      <p:sp>
+        <p:nvSpPr>
+          <p:cNvPr id="2" name="Title 1"/>
+          <p:cNvSpPr>
+            <a:spLocks noGrp="1"/>
+          </p:cNvSpPr>
+          <p:nvPr>
+            <p:ph type="title"/>
+          </p:nvPr>
+        </p:nvSpPr>
+        <p:spPr/>
+        <p:txBody>
+          <a:bodyPr/>
+          <a:lstStyle/>
+          <a:p>
+            <a:r>
+              <a:rPr lang="en-US" dirty="0" err="1" smtClean="0"/>
+              <a:t>MSTest</a:t>
+            </a:r>
+            <a:r>
+              <a:rPr lang="en-US" dirty="0" smtClean="0"/>
+              <a:t> framework</a:t>
+            </a:r>
+            <a:endParaRPr lang="en-US" dirty="0"/>
+          </a:p>
+        </p:txBody>
+      </p:sp>
+      <p:sp>
+        <p:nvSpPr>
+          <p:cNvPr id="3" name="Content Placeholder 2"/>
+          <p:cNvSpPr>
+            <a:spLocks noGrp="1"/>
+          </p:cNvSpPr>
+          <p:nvPr>
+            <p:ph idx="1"/>
+          </p:nvPr>
+        </p:nvSpPr>
+        <p:spPr>
+          <a:xfrm>
+            <a:off x="1295400" y="1594339"/>
+            <a:ext cx="9601200" cy="4196862"/>
+          </a:xfrm>
+        </p:spPr>
+        <p:txBody>
+          <a:bodyPr>
+            <a:noAutofit/>
+          </a:bodyPr>
+          <a:lstStyle/>
+          <a:p>
+            <a:pPr marL="274320" lvl="1" indent="-274320">
+              <a:buClr>
+                <a:schemeClr val="accent3"/>
+              </a:buClr>
+              <a:buSzPct val="95000"/>
+            </a:pPr>
+            <a:r>
+              <a:rPr lang="en-US" sz="2000" b="1" dirty="0"/>
+              <a:t>Asserts and Exceptions (Example 02)</a:t>
+            </a:r>
+          </a:p>
+          <a:p>
+            <a:pPr lvl="1"/>
+            <a:r>
+              <a:rPr lang="en-US" sz="2000" dirty="0"/>
+              <a:t>Assert statements are the basic way of specifying the conditions under which the executed code should pass or fail. </a:t>
+            </a:r>
+          </a:p>
+          <a:p>
+            <a:pPr lvl="1"/>
+            <a:r>
+              <a:rPr lang="en-US" sz="2000" dirty="0"/>
+              <a:t>Asserts are basically classes that expose a number of static methods that perform comparisons of values against known conditions and according to the result allow the call to pass without an error or throw an </a:t>
+            </a:r>
+            <a:r>
+              <a:rPr lang="en-US" sz="2000" dirty="0" err="1"/>
+              <a:t>AssertFailException</a:t>
+            </a:r>
+            <a:r>
+              <a:rPr lang="en-US" sz="2000" dirty="0"/>
+              <a:t> to signal failure.</a:t>
+            </a:r>
+          </a:p>
+          <a:p>
+            <a:pPr lvl="1"/>
+            <a:r>
+              <a:rPr lang="en-US" sz="2000" b="1" i="1" dirty="0"/>
+              <a:t>Assert</a:t>
+            </a:r>
+            <a:r>
+              <a:rPr lang="en-US" sz="2000" dirty="0"/>
+              <a:t>- Verifies conditions in unit tests using true/false propositions</a:t>
+            </a:r>
+          </a:p>
+          <a:p>
+            <a:pPr lvl="1"/>
+            <a:r>
+              <a:rPr lang="en-US" sz="2000" b="1" i="1" dirty="0" err="1"/>
+              <a:t>CollectionAssert</a:t>
+            </a:r>
+            <a:r>
+              <a:rPr lang="en-US" sz="2000" dirty="0"/>
+              <a:t>- Verifies true/false propositions associated with collections in unit tests</a:t>
+            </a:r>
+          </a:p>
+          <a:p>
+            <a:pPr lvl="1"/>
+            <a:r>
+              <a:rPr lang="en-US" sz="2000" b="1" i="1" dirty="0" err="1"/>
+              <a:t>StringAssert</a:t>
+            </a:r>
+            <a:r>
+              <a:rPr lang="en-US" sz="2000" dirty="0"/>
+              <a:t>-Verifies true/false propositions associated with strings in unit tests</a:t>
+            </a:r>
+          </a:p>
+          <a:p>
+            <a:pPr lvl="1"/>
+            <a:r>
+              <a:rPr lang="en-US" sz="2000" b="1" i="1" dirty="0" err="1"/>
+              <a:t>ExpectedExceptionAttribute</a:t>
+            </a:r>
+            <a:r>
+              <a:rPr lang="en-US" sz="2000" b="1" i="1" dirty="0"/>
+              <a:t>-</a:t>
+            </a:r>
+            <a:r>
+              <a:rPr lang="en-US" sz="2000" dirty="0"/>
+              <a:t>Indicates that an exception is expected during test method execution</a:t>
+            </a:r>
+            <a:r>
+              <a:rPr lang="en-US" sz="2000" dirty="0" smtClean="0"/>
+              <a:t>.</a:t>
+            </a:r>
+            <a:endParaRPr lang="en-US" sz="2000" dirty="0"/>
+          </a:p>
+        </p:txBody>
+      </p:sp>
+    </p:spTree>
+    <p:extLst>
+      <p:ext uri="{BB962C8B-B14F-4D97-AF65-F5344CB8AC3E}">
+        <p14:creationId xmlns:p14="http://schemas.microsoft.com/office/powerpoint/2010/main" val="1972058137"/>
+      </p:ext>
+    </p:extLst>
+  </p:cSld>
+  <p:clrMapOvr>
+    <a:masterClrMapping/>
+  </p:clrMapOvr>
+  <mc:AlternateContent xmlns:mc="http://schemas.openxmlformats.org/markup-compatibility/2006" xmlns:p14="http://schemas.microsoft.com/office/powerpoint/2010/main">
+    <mc:Choice Requires="p14">
+      <p:transition p14:dur="0"/>
+    </mc:Choice>
+    <mc:Fallback xmlns="">
+      <p:transition/>
+    </mc:Fallback>
+  </mc:AlternateContent>
+  <p:timing>
+    <p:tnLst>
+      <p:par>
+        <p:cTn id="1" dur="indefinite" restart="never" nodeType="tmRoot"/>
+      </p:par>
+    </p:tnLst>
+  </p:timing>
+</p:sld>
+</file>
+
+<file path=ppt/slides/slide19.xml><?xml version="1.0" encoding="utf-8"?>
+<p:sld xmlns:a="http://schemas.openxmlformats.org/drawingml/2006/main" xmlns:r="http://schemas.openxmlformats.org/officeDocument/2006/relationships" xmlns:p="http://schemas.openxmlformats.org/presentationml/2006/main">
+  <p:cSld>
+    <p:spTree>
+      <p:nvGrpSpPr>
+        <p:cNvPr id="1" name=""/>
+        <p:cNvGrpSpPr/>
+        <p:nvPr/>
+      </p:nvGrpSpPr>
+      <p:grpSpPr>
+        <a:xfrm>
+          <a:off x="0" y="0"/>
+          <a:ext cx="0" cy="0"/>
+          <a:chOff x="0" y="0"/>
+          <a:chExt cx="0" cy="0"/>
+        </a:xfrm>
+      </p:grpSpPr>
+      <p:sp>
+        <p:nvSpPr>
+          <p:cNvPr id="2" name="Title 1"/>
+          <p:cNvSpPr>
+            <a:spLocks noGrp="1"/>
+          </p:cNvSpPr>
+          <p:nvPr>
+            <p:ph type="title"/>
+          </p:nvPr>
+        </p:nvSpPr>
+        <p:spPr/>
+        <p:txBody>
+          <a:bodyPr/>
+          <a:lstStyle/>
+          <a:p>
+            <a:r>
+              <a:rPr lang="en-US" dirty="0" err="1" smtClean="0"/>
+              <a:t>MSTest</a:t>
+            </a:r>
+            <a:r>
+              <a:rPr lang="en-US" dirty="0" smtClean="0"/>
+              <a:t> framework</a:t>
+            </a:r>
+            <a:endParaRPr lang="en-US" dirty="0"/>
+          </a:p>
+        </p:txBody>
+      </p:sp>
+      <p:sp>
+        <p:nvSpPr>
+          <p:cNvPr id="3" name="Content Placeholder 2"/>
+          <p:cNvSpPr>
+            <a:spLocks noGrp="1"/>
+          </p:cNvSpPr>
+          <p:nvPr>
+            <p:ph idx="1"/>
+          </p:nvPr>
+        </p:nvSpPr>
+        <p:spPr>
+          <a:xfrm>
+            <a:off x="1295400" y="1594339"/>
+            <a:ext cx="9601200" cy="4196862"/>
+          </a:xfrm>
+        </p:spPr>
+        <p:txBody>
+          <a:bodyPr>
+            <a:noAutofit/>
+          </a:bodyPr>
+          <a:lstStyle/>
+          <a:p>
+            <a:pPr marL="274320" lvl="1" indent="-274320">
+              <a:buClr>
+                <a:schemeClr val="accent3"/>
+              </a:buClr>
+              <a:buSzPct val="95000"/>
+            </a:pPr>
+            <a:r>
+              <a:rPr lang="en-US" b="1" dirty="0"/>
+              <a:t>Using Visual Studio to write tests (</a:t>
+            </a:r>
+            <a:r>
+              <a:rPr lang="en-US" b="1" dirty="0" smtClean="0"/>
+              <a:t>Lab)</a:t>
+            </a:r>
+            <a:endParaRPr lang="en-US" b="1" dirty="0"/>
+          </a:p>
+          <a:p>
+            <a:pPr marL="548640" lvl="2" indent="-274320">
+              <a:buClr>
+                <a:schemeClr val="accent3"/>
+              </a:buClr>
+              <a:buSzPct val="95000"/>
+            </a:pPr>
+            <a:r>
+              <a:rPr lang="en-US" sz="2000" b="1" dirty="0"/>
+              <a:t>Add test project </a:t>
+            </a:r>
+            <a:r>
+              <a:rPr lang="en-US" sz="2000" dirty="0"/>
+              <a:t>(use &lt;</a:t>
+            </a:r>
+            <a:r>
+              <a:rPr lang="en-US" sz="2000" dirty="0" err="1"/>
+              <a:t>SolutionName</a:t>
+            </a:r>
+            <a:r>
+              <a:rPr lang="en-US" sz="2000" dirty="0"/>
+              <a:t>&gt;.Tests.&lt;</a:t>
+            </a:r>
+            <a:r>
+              <a:rPr lang="en-US" sz="2000" dirty="0" err="1"/>
+              <a:t>TypeOfTests</a:t>
+            </a:r>
+            <a:r>
+              <a:rPr lang="en-US" sz="2000" dirty="0"/>
+              <a:t>&gt; </a:t>
+            </a:r>
+            <a:r>
+              <a:rPr lang="en-US" dirty="0"/>
+              <a:t>convention)</a:t>
+            </a:r>
+            <a:endParaRPr lang="en-US" b="1" dirty="0"/>
+          </a:p>
+          <a:p>
+            <a:pPr marL="548640" lvl="2" indent="-274320">
+              <a:buClr>
+                <a:schemeClr val="accent3"/>
+              </a:buClr>
+              <a:buSzPct val="95000"/>
+            </a:pPr>
+            <a:r>
+              <a:rPr lang="en-US" sz="2000" b="1" dirty="0"/>
+              <a:t>Add tests</a:t>
+            </a:r>
+          </a:p>
+          <a:p>
+            <a:pPr marL="822960" lvl="3" indent="-274320">
+              <a:buSzPct val="95000"/>
+            </a:pPr>
+            <a:r>
+              <a:rPr lang="en-US" dirty="0"/>
+              <a:t>Use the Add New Test Option</a:t>
+            </a:r>
+          </a:p>
+          <a:p>
+            <a:pPr marL="822960" lvl="3" indent="-274320">
+              <a:buSzPct val="95000"/>
+            </a:pPr>
+            <a:r>
+              <a:rPr lang="en-US" dirty="0"/>
+              <a:t>Use the Add Unit Test Option</a:t>
+            </a:r>
+          </a:p>
+          <a:p>
+            <a:pPr marL="822960" lvl="3" indent="-274320">
+              <a:buSzPct val="95000"/>
+            </a:pPr>
+            <a:r>
+              <a:rPr lang="en-US" dirty="0"/>
+              <a:t>Use the Create Unit Tests… Option</a:t>
+            </a:r>
+          </a:p>
+          <a:p>
+            <a:pPr marL="822960" lvl="3" indent="-274320">
+              <a:buSzPct val="95000"/>
+            </a:pPr>
+            <a:r>
+              <a:rPr lang="en-US" dirty="0"/>
+              <a:t>Use the Add New Item option and create the class manually</a:t>
+            </a:r>
+          </a:p>
+          <a:p>
+            <a:pPr marL="548640" lvl="2" indent="-274320">
+              <a:buClr>
+                <a:schemeClr val="accent3"/>
+              </a:buClr>
+              <a:buSzPct val="95000"/>
+            </a:pPr>
+            <a:r>
+              <a:rPr lang="en-US" sz="2000" b="1" dirty="0"/>
+              <a:t>Test Properties (Owner, </a:t>
+            </a:r>
+            <a:r>
+              <a:rPr lang="en-US" sz="2000" b="1" dirty="0" err="1"/>
+              <a:t>Description,TestProperty</a:t>
+            </a:r>
+            <a:r>
+              <a:rPr lang="en-US" sz="2000" b="1" dirty="0"/>
+              <a:t>…)</a:t>
+            </a:r>
+            <a:endParaRPr lang="en-US" b="1" dirty="0"/>
+          </a:p>
+          <a:p>
+            <a:pPr marL="548640" lvl="2" indent="-274320">
+              <a:buClr>
+                <a:schemeClr val="accent3"/>
+              </a:buClr>
+              <a:buSzPct val="95000"/>
+            </a:pPr>
+            <a:r>
+              <a:rPr lang="en-US" sz="2000" b="1" dirty="0"/>
+              <a:t>Configure Tests</a:t>
+            </a:r>
+          </a:p>
+          <a:p>
+            <a:pPr marL="822960" lvl="3" indent="-274320">
+              <a:buSzPct val="95000"/>
+            </a:pPr>
+            <a:r>
+              <a:rPr lang="en-US" dirty="0"/>
+              <a:t>Manage Test Configurations</a:t>
+            </a:r>
+          </a:p>
+          <a:p>
+            <a:pPr marL="822960" lvl="3" indent="-274320">
+              <a:buSzPct val="95000"/>
+            </a:pPr>
+            <a:r>
+              <a:rPr lang="en-US" dirty="0"/>
+              <a:t>Manage Test Metadata (Test Lists)</a:t>
+            </a:r>
+            <a:endParaRPr lang="en-US" b="1" dirty="0"/>
+          </a:p>
+          <a:p>
+            <a:pPr marL="548640" lvl="2" indent="-274320">
+              <a:buClr>
+                <a:schemeClr val="accent3"/>
+              </a:buClr>
+              <a:buSzPct val="95000"/>
+            </a:pPr>
+            <a:r>
+              <a:rPr lang="en-US" sz="2000" b="1" dirty="0"/>
+              <a:t>Run/Debug Tests</a:t>
+            </a:r>
+          </a:p>
+          <a:p>
+            <a:pPr marL="548640" lvl="2" indent="-274320">
+              <a:buClr>
+                <a:schemeClr val="accent3"/>
+              </a:buClr>
+              <a:buSzPct val="95000"/>
+            </a:pPr>
+            <a:r>
+              <a:rPr lang="en-US" sz="2000" b="1" dirty="0"/>
+              <a:t>Gather Code Coverage</a:t>
+            </a:r>
+          </a:p>
+          <a:p>
+            <a:pPr marL="0" lvl="1" indent="0">
+              <a:buClr>
+                <a:schemeClr val="accent3"/>
+              </a:buClr>
+              <a:buSzPct val="95000"/>
+              <a:buNone/>
+            </a:pPr>
+            <a:endParaRPr lang="en-US" sz="2000" dirty="0"/>
+          </a:p>
+        </p:txBody>
+      </p:sp>
+    </p:spTree>
+    <p:extLst>
+      <p:ext uri="{BB962C8B-B14F-4D97-AF65-F5344CB8AC3E}">
+        <p14:creationId xmlns:p14="http://schemas.microsoft.com/office/powerpoint/2010/main" val="3528054965"/>
       </p:ext>
     </p:extLst>
   </p:cSld>
@@ -15213,12 +17044,274 @@
             <p:ph idx="1"/>
           </p:nvPr>
         </p:nvSpPr>
-        <p:spPr/>
+        <p:spPr>
+          <a:xfrm>
+            <a:off x="6081345" y="2145323"/>
+            <a:ext cx="4554415" cy="3809999"/>
+          </a:xfrm>
+        </p:spPr>
         <p:txBody>
           <a:bodyPr/>
           <a:lstStyle/>
           <a:p>
             <a:r>
+              <a:rPr lang="en-US" dirty="0"/>
+              <a:t>JavaScript introduction</a:t>
+            </a:r>
+          </a:p>
+          <a:p>
+            <a:r>
+              <a:rPr lang="en-US" dirty="0"/>
+              <a:t>JavaScript </a:t>
+            </a:r>
+            <a:r>
+              <a:rPr lang="en-US" dirty="0" smtClean="0"/>
+              <a:t>libraries</a:t>
+            </a:r>
+            <a:endParaRPr lang="en-US" dirty="0" smtClean="0"/>
+          </a:p>
+          <a:p>
+            <a:r>
+              <a:rPr lang="en-US" dirty="0" err="1" smtClean="0"/>
+              <a:t>Goint</a:t>
+            </a:r>
+            <a:r>
+              <a:rPr lang="en-US" dirty="0" smtClean="0"/>
+              <a:t> to SPA  </a:t>
+            </a:r>
+            <a:r>
+              <a:rPr lang="en-US" dirty="0" smtClean="0">
+                <a:sym typeface="Wingdings" panose="05000000000000000000" pitchFamily="2" charset="2"/>
+              </a:rPr>
+              <a:t></a:t>
+            </a:r>
+            <a:endParaRPr lang="en-US" dirty="0"/>
+          </a:p>
+        </p:txBody>
+      </p:sp>
+      <p:sp>
+        <p:nvSpPr>
+          <p:cNvPr id="4" name="Content Placeholder 2"/>
+          <p:cNvSpPr txBox="1">
+            <a:spLocks/>
+          </p:cNvSpPr>
+          <p:nvPr/>
+        </p:nvSpPr>
+        <p:spPr>
+          <a:xfrm>
+            <a:off x="1447800" y="2133601"/>
+            <a:ext cx="4554415" cy="3809999"/>
+          </a:xfrm>
+          <a:prstGeom prst="rect">
+            <a:avLst/>
+          </a:prstGeom>
+        </p:spPr>
+        <p:txBody>
+          <a:bodyPr vert="horz" lIns="91440" tIns="45720" rIns="91440" bIns="45720" rtlCol="0">
+            <a:normAutofit/>
+          </a:bodyPr>
+          <a:lstStyle>
+            <a:lvl1pPr marL="228600" indent="-228600" algn="l" defTabSz="914400" rtl="0" eaLnBrk="1" latinLnBrk="0" hangingPunct="1">
+              <a:lnSpc>
+                <a:spcPct val="90000"/>
+              </a:lnSpc>
+              <a:spcBef>
+                <a:spcPts val="1800"/>
+              </a:spcBef>
+              <a:buClr>
+                <a:srgbClr val="016C48"/>
+              </a:buClr>
+              <a:buSzPct val="100000"/>
+              <a:buFont typeface="Arial" pitchFamily="34" charset="0"/>
+              <a:buChar char="•"/>
+              <a:defRPr sz="2000" kern="1200">
+                <a:solidFill>
+                  <a:schemeClr val="tx1"/>
+                </a:solidFill>
+                <a:latin typeface="Calibri" panose="020F0502020204030204" pitchFamily="34" charset="0"/>
+                <a:ea typeface="+mn-ea"/>
+                <a:cs typeface="+mn-cs"/>
+              </a:defRPr>
+            </a:lvl1pPr>
+            <a:lvl2pPr marL="457200" indent="-182880" algn="l" defTabSz="914400" rtl="0" eaLnBrk="1" latinLnBrk="0" hangingPunct="1">
+              <a:lnSpc>
+                <a:spcPct val="90000"/>
+              </a:lnSpc>
+              <a:spcBef>
+                <a:spcPts val="1200"/>
+              </a:spcBef>
+              <a:buClr>
+                <a:srgbClr val="016C48"/>
+              </a:buClr>
+              <a:buSzPct val="100000"/>
+              <a:buFont typeface="Arial" pitchFamily="34" charset="0"/>
+              <a:buChar char="-"/>
+              <a:defRPr sz="1800" kern="1200">
+                <a:solidFill>
+                  <a:schemeClr val="tx1"/>
+                </a:solidFill>
+                <a:latin typeface="Calibri" panose="020F0502020204030204" pitchFamily="34" charset="0"/>
+                <a:ea typeface="+mn-ea"/>
+                <a:cs typeface="+mn-cs"/>
+              </a:defRPr>
+            </a:lvl2pPr>
+            <a:lvl3pPr marL="685800" indent="-179388" algn="l" defTabSz="914400" rtl="0" eaLnBrk="1" latinLnBrk="0" hangingPunct="1">
+              <a:lnSpc>
+                <a:spcPct val="90000"/>
+              </a:lnSpc>
+              <a:spcBef>
+                <a:spcPts val="800"/>
+              </a:spcBef>
+              <a:buClr>
+                <a:srgbClr val="016C48"/>
+              </a:buClr>
+              <a:buSzPct val="100000"/>
+              <a:buFont typeface="Arial" pitchFamily="34" charset="0"/>
+              <a:buChar char="-"/>
+              <a:defRPr sz="1600" kern="1200">
+                <a:solidFill>
+                  <a:schemeClr val="tx1"/>
+                </a:solidFill>
+                <a:latin typeface="Calibri" panose="020F0502020204030204" pitchFamily="34" charset="0"/>
+                <a:ea typeface="+mn-ea"/>
+                <a:cs typeface="+mn-cs"/>
+              </a:defRPr>
+            </a:lvl3pPr>
+            <a:lvl4pPr marL="914400" indent="-182880" algn="l" defTabSz="914400" rtl="0" eaLnBrk="1" latinLnBrk="0" hangingPunct="1">
+              <a:lnSpc>
+                <a:spcPct val="90000"/>
+              </a:lnSpc>
+              <a:spcBef>
+                <a:spcPts val="800"/>
+              </a:spcBef>
+              <a:buClr>
+                <a:srgbClr val="016C48"/>
+              </a:buClr>
+              <a:buSzPct val="100000"/>
+              <a:buFont typeface="Arial" pitchFamily="34" charset="0"/>
+              <a:buChar char="-"/>
+              <a:defRPr sz="1400" kern="1200">
+                <a:solidFill>
+                  <a:schemeClr val="tx1"/>
+                </a:solidFill>
+                <a:latin typeface="Calibri" panose="020F0502020204030204" pitchFamily="34" charset="0"/>
+                <a:ea typeface="+mn-ea"/>
+                <a:cs typeface="+mn-cs"/>
+              </a:defRPr>
+            </a:lvl4pPr>
+            <a:lvl5pPr marL="1143000" indent="-179388" algn="l" defTabSz="914400" rtl="0" eaLnBrk="1" latinLnBrk="0" hangingPunct="1">
+              <a:lnSpc>
+                <a:spcPct val="90000"/>
+              </a:lnSpc>
+              <a:spcBef>
+                <a:spcPts val="600"/>
+              </a:spcBef>
+              <a:buClr>
+                <a:srgbClr val="016C48"/>
+              </a:buClr>
+              <a:buSzPct val="100000"/>
+              <a:buFont typeface="Arial" pitchFamily="34" charset="0"/>
+              <a:buChar char="-"/>
+              <a:defRPr sz="1400" kern="1200">
+                <a:solidFill>
+                  <a:schemeClr val="tx1"/>
+                </a:solidFill>
+                <a:latin typeface="Calibri" panose="020F0502020204030204" pitchFamily="34" charset="0"/>
+                <a:ea typeface="+mn-ea"/>
+                <a:cs typeface="+mn-cs"/>
+              </a:defRPr>
+            </a:lvl5pPr>
+            <a:lvl6pPr marL="1371600" indent="-182880" algn="l" defTabSz="914400" rtl="0" eaLnBrk="1" latinLnBrk="0" hangingPunct="1">
+              <a:lnSpc>
+                <a:spcPct val="90000"/>
+              </a:lnSpc>
+              <a:spcBef>
+                <a:spcPts val="600"/>
+              </a:spcBef>
+              <a:buClr>
+                <a:schemeClr val="accent1"/>
+              </a:buClr>
+              <a:buSzPct val="100000"/>
+              <a:buFont typeface="Arial" pitchFamily="34" charset="0"/>
+              <a:buChar char="▪"/>
+              <a:defRPr sz="1400" kern="1200">
+                <a:solidFill>
+                  <a:schemeClr val="tx1"/>
+                </a:solidFill>
+                <a:latin typeface="+mn-lt"/>
+                <a:ea typeface="+mn-ea"/>
+                <a:cs typeface="+mn-cs"/>
+              </a:defRPr>
+            </a:lvl6pPr>
+            <a:lvl7pPr marL="1600200" indent="-179388" algn="l" defTabSz="914400" rtl="0" eaLnBrk="1" latinLnBrk="0" hangingPunct="1">
+              <a:lnSpc>
+                <a:spcPct val="90000"/>
+              </a:lnSpc>
+              <a:spcBef>
+                <a:spcPts val="600"/>
+              </a:spcBef>
+              <a:buClr>
+                <a:schemeClr val="accent1"/>
+              </a:buClr>
+              <a:buSzPct val="100000"/>
+              <a:buFont typeface="Arial" pitchFamily="34" charset="0"/>
+              <a:buChar char="▪"/>
+              <a:defRPr sz="1400" kern="1200">
+                <a:solidFill>
+                  <a:schemeClr val="tx1"/>
+                </a:solidFill>
+                <a:latin typeface="+mn-lt"/>
+                <a:ea typeface="+mn-ea"/>
+                <a:cs typeface="+mn-cs"/>
+              </a:defRPr>
+            </a:lvl7pPr>
+            <a:lvl8pPr marL="1828800" indent="-182880" algn="l" defTabSz="914400" rtl="0" eaLnBrk="1" latinLnBrk="0" hangingPunct="1">
+              <a:lnSpc>
+                <a:spcPct val="90000"/>
+              </a:lnSpc>
+              <a:spcBef>
+                <a:spcPts val="600"/>
+              </a:spcBef>
+              <a:buClr>
+                <a:schemeClr val="accent1"/>
+              </a:buClr>
+              <a:buSzPct val="100000"/>
+              <a:buFont typeface="Arial" pitchFamily="34" charset="0"/>
+              <a:buChar char="▪"/>
+              <a:defRPr sz="1400" kern="1200">
+                <a:solidFill>
+                  <a:schemeClr val="tx1"/>
+                </a:solidFill>
+                <a:latin typeface="+mn-lt"/>
+                <a:ea typeface="+mn-ea"/>
+                <a:cs typeface="+mn-cs"/>
+              </a:defRPr>
+            </a:lvl8pPr>
+            <a:lvl9pPr marL="2057400" indent="-179388" algn="l" defTabSz="914400" rtl="0" eaLnBrk="1" latinLnBrk="0" hangingPunct="1">
+              <a:lnSpc>
+                <a:spcPct val="90000"/>
+              </a:lnSpc>
+              <a:spcBef>
+                <a:spcPts val="600"/>
+              </a:spcBef>
+              <a:buClr>
+                <a:schemeClr val="accent1"/>
+              </a:buClr>
+              <a:buSzPct val="100000"/>
+              <a:buFont typeface="Arial" pitchFamily="34" charset="0"/>
+              <a:buChar char="▪"/>
+              <a:defRPr sz="1400" kern="1200">
+                <a:solidFill>
+                  <a:schemeClr val="tx1"/>
+                </a:solidFill>
+                <a:latin typeface="+mn-lt"/>
+                <a:ea typeface="+mn-ea"/>
+                <a:cs typeface="+mn-cs"/>
+              </a:defRPr>
+            </a:lvl9pPr>
+          </a:lstStyle>
+          <a:p>
+            <a:r>
               <a:rPr lang="en-US" dirty="0" smtClean="0"/>
               <a:t>Application requirements brainstorming</a:t>
             </a:r>
@@ -15228,21 +17321,30 @@
               <a:rPr lang="en-US" dirty="0" smtClean="0"/>
               <a:t>Introduction to ASP.NET MVC project</a:t>
             </a:r>
-            <a:endParaRPr lang="en-US" dirty="0" smtClean="0"/>
           </a:p>
           <a:p>
             <a:r>
               <a:rPr lang="en-US" dirty="0" smtClean="0"/>
               <a:t>Setting up the solution</a:t>
             </a:r>
-            <a:endParaRPr lang="en-US" dirty="0" smtClean="0"/>
           </a:p>
           <a:p>
             <a:r>
               <a:rPr lang="en-US" dirty="0" smtClean="0"/>
               <a:t>Accessing data with EF</a:t>
             </a:r>
-            <a:endParaRPr lang="en-US" dirty="0"/>
+          </a:p>
+          <a:p>
+            <a:r>
+              <a:rPr lang="en-US" dirty="0" smtClean="0"/>
+              <a:t>Improving the design with patterns</a:t>
+            </a:r>
+          </a:p>
+          <a:p>
+            <a:r>
+              <a:rPr lang="en-US" dirty="0" smtClean="0"/>
+              <a:t>Unit testing</a:t>
+            </a:r>
           </a:p>
         </p:txBody>
       </p:sp>
@@ -15250,6 +17352,216 @@
     <p:extLst>
       <p:ext uri="{BB962C8B-B14F-4D97-AF65-F5344CB8AC3E}">
         <p14:creationId xmlns:p14="http://schemas.microsoft.com/office/powerpoint/2010/main" val="3811197357"/>
+      </p:ext>
+    </p:extLst>
+  </p:cSld>
+  <p:clrMapOvr>
+    <a:masterClrMapping/>
+  </p:clrMapOvr>
+  <mc:AlternateContent xmlns:mc="http://schemas.openxmlformats.org/markup-compatibility/2006" xmlns:p14="http://schemas.microsoft.com/office/powerpoint/2010/main">
+    <mc:Choice Requires="p14">
+      <p:transition p14:dur="0"/>
+    </mc:Choice>
+    <mc:Fallback xmlns="">
+      <p:transition/>
+    </mc:Fallback>
+  </mc:AlternateContent>
+  <p:timing>
+    <p:tnLst>
+      <p:par>
+        <p:cTn id="1" dur="indefinite" restart="never" nodeType="tmRoot"/>
+      </p:par>
+    </p:tnLst>
+  </p:timing>
+</p:sld>
+</file>
+
+<file path=ppt/slides/slide20.xml><?xml version="1.0" encoding="utf-8"?>
+<p:sld xmlns:a="http://schemas.openxmlformats.org/drawingml/2006/main" xmlns:r="http://schemas.openxmlformats.org/officeDocument/2006/relationships" xmlns:p="http://schemas.openxmlformats.org/presentationml/2006/main">
+  <p:cSld>
+    <p:spTree>
+      <p:nvGrpSpPr>
+        <p:cNvPr id="1" name=""/>
+        <p:cNvGrpSpPr/>
+        <p:nvPr/>
+      </p:nvGrpSpPr>
+      <p:grpSpPr>
+        <a:xfrm>
+          <a:off x="0" y="0"/>
+          <a:ext cx="0" cy="0"/>
+          <a:chOff x="0" y="0"/>
+          <a:chExt cx="0" cy="0"/>
+        </a:xfrm>
+      </p:grpSpPr>
+      <p:sp>
+        <p:nvSpPr>
+          <p:cNvPr id="4" name="Title 3"/>
+          <p:cNvSpPr>
+            <a:spLocks noGrp="1"/>
+          </p:cNvSpPr>
+          <p:nvPr>
+            <p:ph type="title"/>
+          </p:nvPr>
+        </p:nvSpPr>
+        <p:spPr/>
+        <p:txBody>
+          <a:bodyPr>
+            <a:normAutofit/>
+          </a:bodyPr>
+          <a:lstStyle/>
+          <a:p>
+            <a:r>
+              <a:rPr lang="en-US" sz="5400" dirty="0" smtClean="0"/>
+              <a:t>JavaScript introduction</a:t>
+            </a:r>
+            <a:endParaRPr lang="en-US" sz="5400" dirty="0"/>
+          </a:p>
+        </p:txBody>
+      </p:sp>
+    </p:spTree>
+    <p:extLst>
+      <p:ext uri="{BB962C8B-B14F-4D97-AF65-F5344CB8AC3E}">
+        <p14:creationId xmlns:p14="http://schemas.microsoft.com/office/powerpoint/2010/main" val="1048828278"/>
+      </p:ext>
+    </p:extLst>
+  </p:cSld>
+  <p:clrMapOvr>
+    <a:masterClrMapping/>
+  </p:clrMapOvr>
+  <mc:AlternateContent xmlns:mc="http://schemas.openxmlformats.org/markup-compatibility/2006" xmlns:p14="http://schemas.microsoft.com/office/powerpoint/2010/main">
+    <mc:Choice Requires="p14">
+      <p:transition p14:dur="0"/>
+    </mc:Choice>
+    <mc:Fallback xmlns="">
+      <p:transition/>
+    </mc:Fallback>
+  </mc:AlternateContent>
+  <p:timing>
+    <p:tnLst>
+      <p:par>
+        <p:cTn id="1" dur="indefinite" restart="never" nodeType="tmRoot"/>
+      </p:par>
+    </p:tnLst>
+  </p:timing>
+</p:sld>
+</file>
+
+<file path=ppt/slides/slide21.xml><?xml version="1.0" encoding="utf-8"?>
+<p:sld xmlns:a="http://schemas.openxmlformats.org/drawingml/2006/main" xmlns:r="http://schemas.openxmlformats.org/officeDocument/2006/relationships" xmlns:p="http://schemas.openxmlformats.org/presentationml/2006/main">
+  <p:cSld>
+    <p:spTree>
+      <p:nvGrpSpPr>
+        <p:cNvPr id="1" name=""/>
+        <p:cNvGrpSpPr/>
+        <p:nvPr/>
+      </p:nvGrpSpPr>
+      <p:grpSpPr>
+        <a:xfrm>
+          <a:off x="0" y="0"/>
+          <a:ext cx="0" cy="0"/>
+          <a:chOff x="0" y="0"/>
+          <a:chExt cx="0" cy="0"/>
+        </a:xfrm>
+      </p:grpSpPr>
+      <p:sp>
+        <p:nvSpPr>
+          <p:cNvPr id="4" name="Title 3"/>
+          <p:cNvSpPr>
+            <a:spLocks noGrp="1"/>
+          </p:cNvSpPr>
+          <p:nvPr>
+            <p:ph type="title"/>
+          </p:nvPr>
+        </p:nvSpPr>
+        <p:spPr/>
+        <p:txBody>
+          <a:bodyPr>
+            <a:normAutofit/>
+          </a:bodyPr>
+          <a:lstStyle/>
+          <a:p>
+            <a:r>
+              <a:rPr lang="en-US" sz="5400" dirty="0" smtClean="0"/>
+              <a:t>JavaScript libraries</a:t>
+            </a:r>
+            <a:endParaRPr lang="en-US" sz="5400" dirty="0"/>
+          </a:p>
+        </p:txBody>
+      </p:sp>
+    </p:spTree>
+    <p:extLst>
+      <p:ext uri="{BB962C8B-B14F-4D97-AF65-F5344CB8AC3E}">
+        <p14:creationId xmlns:p14="http://schemas.microsoft.com/office/powerpoint/2010/main" val="207146106"/>
+      </p:ext>
+    </p:extLst>
+  </p:cSld>
+  <p:clrMapOvr>
+    <a:masterClrMapping/>
+  </p:clrMapOvr>
+  <mc:AlternateContent xmlns:mc="http://schemas.openxmlformats.org/markup-compatibility/2006" xmlns:p14="http://schemas.microsoft.com/office/powerpoint/2010/main">
+    <mc:Choice Requires="p14">
+      <p:transition p14:dur="0"/>
+    </mc:Choice>
+    <mc:Fallback xmlns="">
+      <p:transition/>
+    </mc:Fallback>
+  </mc:AlternateContent>
+  <p:timing>
+    <p:tnLst>
+      <p:par>
+        <p:cTn id="1" dur="indefinite" restart="never" nodeType="tmRoot"/>
+      </p:par>
+    </p:tnLst>
+  </p:timing>
+</p:sld>
+</file>
+
+<file path=ppt/slides/slide22.xml><?xml version="1.0" encoding="utf-8"?>
+<p:sld xmlns:a="http://schemas.openxmlformats.org/drawingml/2006/main" xmlns:r="http://schemas.openxmlformats.org/officeDocument/2006/relationships" xmlns:p="http://schemas.openxmlformats.org/presentationml/2006/main">
+  <p:cSld>
+    <p:spTree>
+      <p:nvGrpSpPr>
+        <p:cNvPr id="1" name=""/>
+        <p:cNvGrpSpPr/>
+        <p:nvPr/>
+      </p:nvGrpSpPr>
+      <p:grpSpPr>
+        <a:xfrm>
+          <a:off x="0" y="0"/>
+          <a:ext cx="0" cy="0"/>
+          <a:chOff x="0" y="0"/>
+          <a:chExt cx="0" cy="0"/>
+        </a:xfrm>
+      </p:grpSpPr>
+      <p:sp>
+        <p:nvSpPr>
+          <p:cNvPr id="4" name="Title 3"/>
+          <p:cNvSpPr>
+            <a:spLocks noGrp="1"/>
+          </p:cNvSpPr>
+          <p:nvPr>
+            <p:ph type="title"/>
+          </p:nvPr>
+        </p:nvSpPr>
+        <p:spPr/>
+        <p:txBody>
+          <a:bodyPr>
+            <a:normAutofit/>
+          </a:bodyPr>
+          <a:lstStyle/>
+          <a:p>
+            <a:r>
+              <a:rPr lang="en-US" sz="5400" dirty="0" smtClean="0"/>
+              <a:t>Going to SPA</a:t>
+            </a:r>
+            <a:endParaRPr lang="en-US" sz="5400" dirty="0"/>
+          </a:p>
+        </p:txBody>
+      </p:sp>
+    </p:spTree>
+    <p:extLst>
+      <p:ext uri="{BB962C8B-B14F-4D97-AF65-F5344CB8AC3E}">
+        <p14:creationId xmlns:p14="http://schemas.microsoft.com/office/powerpoint/2010/main" val="955905903"/>
       </p:ext>
     </p:extLst>
   </p:cSld>
@@ -15554,7 +17866,6 @@
               <a:rPr lang="en-US" dirty="0" smtClean="0"/>
               <a:t>, central entry point for execution of command</a:t>
             </a:r>
-            <a:endParaRPr lang="en-US" dirty="0" smtClean="0"/>
           </a:p>
           <a:p>
             <a:pPr>
@@ -15703,6 +18014,318 @@
     <p:extLst>
       <p:ext uri="{BB962C8B-B14F-4D97-AF65-F5344CB8AC3E}">
         <p14:creationId xmlns:p14="http://schemas.microsoft.com/office/powerpoint/2010/main" val="2803089066"/>
+      </p:ext>
+    </p:extLst>
+  </p:cSld>
+  <p:clrMapOvr>
+    <a:masterClrMapping/>
+  </p:clrMapOvr>
+  <mc:AlternateContent xmlns:mc="http://schemas.openxmlformats.org/markup-compatibility/2006" xmlns:p14="http://schemas.microsoft.com/office/powerpoint/2010/main">
+    <mc:Choice Requires="p14">
+      <p:transition p14:dur="0"/>
+    </mc:Choice>
+    <mc:Fallback xmlns="">
+      <p:transition/>
+    </mc:Fallback>
+  </mc:AlternateContent>
+  <p:timing>
+    <p:tnLst>
+      <p:par>
+        <p:cTn id="1" dur="indefinite" restart="never" nodeType="tmRoot"/>
+      </p:par>
+    </p:tnLst>
+  </p:timing>
+</p:sld>
+</file>
+
+<file path=ppt/slides/slide7.xml><?xml version="1.0" encoding="utf-8"?>
+<p:sld xmlns:a="http://schemas.openxmlformats.org/drawingml/2006/main" xmlns:r="http://schemas.openxmlformats.org/officeDocument/2006/relationships" xmlns:p="http://schemas.openxmlformats.org/presentationml/2006/main">
+  <p:cSld>
+    <p:spTree>
+      <p:nvGrpSpPr>
+        <p:cNvPr id="1" name=""/>
+        <p:cNvGrpSpPr/>
+        <p:nvPr/>
+      </p:nvGrpSpPr>
+      <p:grpSpPr>
+        <a:xfrm>
+          <a:off x="0" y="0"/>
+          <a:ext cx="0" cy="0"/>
+          <a:chOff x="0" y="0"/>
+          <a:chExt cx="0" cy="0"/>
+        </a:xfrm>
+      </p:grpSpPr>
+      <p:sp>
+        <p:nvSpPr>
+          <p:cNvPr id="4" name="Title 3"/>
+          <p:cNvSpPr>
+            <a:spLocks noGrp="1"/>
+          </p:cNvSpPr>
+          <p:nvPr>
+            <p:ph type="title"/>
+          </p:nvPr>
+        </p:nvSpPr>
+        <p:spPr/>
+        <p:txBody>
+          <a:bodyPr>
+            <a:normAutofit/>
+          </a:bodyPr>
+          <a:lstStyle/>
+          <a:p>
+            <a:r>
+              <a:rPr lang="en-US" sz="5400" dirty="0" smtClean="0"/>
+              <a:t>Accessing data with EF</a:t>
+            </a:r>
+            <a:endParaRPr lang="en-US" sz="5400" dirty="0"/>
+          </a:p>
+        </p:txBody>
+      </p:sp>
+    </p:spTree>
+    <p:extLst>
+      <p:ext uri="{BB962C8B-B14F-4D97-AF65-F5344CB8AC3E}">
+        <p14:creationId xmlns:p14="http://schemas.microsoft.com/office/powerpoint/2010/main" val="146810266"/>
+      </p:ext>
+    </p:extLst>
+  </p:cSld>
+  <p:clrMapOvr>
+    <a:masterClrMapping/>
+  </p:clrMapOvr>
+  <mc:AlternateContent xmlns:mc="http://schemas.openxmlformats.org/markup-compatibility/2006" xmlns:p14="http://schemas.microsoft.com/office/powerpoint/2010/main">
+    <mc:Choice Requires="p14">
+      <p:transition p14:dur="0"/>
+    </mc:Choice>
+    <mc:Fallback xmlns="">
+      <p:transition/>
+    </mc:Fallback>
+  </mc:AlternateContent>
+  <p:timing>
+    <p:tnLst>
+      <p:par>
+        <p:cTn id="1" dur="indefinite" restart="never" nodeType="tmRoot"/>
+      </p:par>
+    </p:tnLst>
+  </p:timing>
+</p:sld>
+</file>
+
+<file path=ppt/slides/slide8.xml><?xml version="1.0" encoding="utf-8"?>
+<p:sld xmlns:a="http://schemas.openxmlformats.org/drawingml/2006/main" xmlns:r="http://schemas.openxmlformats.org/officeDocument/2006/relationships" xmlns:p="http://schemas.openxmlformats.org/presentationml/2006/main">
+  <p:cSld>
+    <p:spTree>
+      <p:nvGrpSpPr>
+        <p:cNvPr id="1" name=""/>
+        <p:cNvGrpSpPr/>
+        <p:nvPr/>
+      </p:nvGrpSpPr>
+      <p:grpSpPr>
+        <a:xfrm>
+          <a:off x="0" y="0"/>
+          <a:ext cx="0" cy="0"/>
+          <a:chOff x="0" y="0"/>
+          <a:chExt cx="0" cy="0"/>
+        </a:xfrm>
+      </p:grpSpPr>
+      <p:sp>
+        <p:nvSpPr>
+          <p:cNvPr id="4" name="Title 3"/>
+          <p:cNvSpPr>
+            <a:spLocks noGrp="1"/>
+          </p:cNvSpPr>
+          <p:nvPr>
+            <p:ph type="title"/>
+          </p:nvPr>
+        </p:nvSpPr>
+        <p:spPr/>
+        <p:txBody>
+          <a:bodyPr>
+            <a:normAutofit/>
+          </a:bodyPr>
+          <a:lstStyle/>
+          <a:p>
+            <a:r>
+              <a:rPr lang="en-US" sz="5400" dirty="0" smtClean="0"/>
+              <a:t>Improving the design with patterns</a:t>
+            </a:r>
+            <a:endParaRPr lang="en-US" sz="5400" dirty="0"/>
+          </a:p>
+        </p:txBody>
+      </p:sp>
+    </p:spTree>
+    <p:extLst>
+      <p:ext uri="{BB962C8B-B14F-4D97-AF65-F5344CB8AC3E}">
+        <p14:creationId xmlns:p14="http://schemas.microsoft.com/office/powerpoint/2010/main" val="1208426732"/>
+      </p:ext>
+    </p:extLst>
+  </p:cSld>
+  <p:clrMapOvr>
+    <a:masterClrMapping/>
+  </p:clrMapOvr>
+  <mc:AlternateContent xmlns:mc="http://schemas.openxmlformats.org/markup-compatibility/2006" xmlns:p14="http://schemas.microsoft.com/office/powerpoint/2010/main">
+    <mc:Choice Requires="p14">
+      <p:transition p14:dur="0"/>
+    </mc:Choice>
+    <mc:Fallback xmlns="">
+      <p:transition/>
+    </mc:Fallback>
+  </mc:AlternateContent>
+  <p:timing>
+    <p:tnLst>
+      <p:par>
+        <p:cTn id="1" dur="indefinite" restart="never" nodeType="tmRoot"/>
+      </p:par>
+    </p:tnLst>
+  </p:timing>
+</p:sld>
+</file>
+
+<file path=ppt/slides/slide9.xml><?xml version="1.0" encoding="utf-8"?>
+<p:sld xmlns:a="http://schemas.openxmlformats.org/drawingml/2006/main" xmlns:r="http://schemas.openxmlformats.org/officeDocument/2006/relationships" xmlns:p="http://schemas.openxmlformats.org/presentationml/2006/main">
+  <p:cSld>
+    <p:spTree>
+      <p:nvGrpSpPr>
+        <p:cNvPr id="1" name=""/>
+        <p:cNvGrpSpPr/>
+        <p:nvPr/>
+      </p:nvGrpSpPr>
+      <p:grpSpPr>
+        <a:xfrm>
+          <a:off x="0" y="0"/>
+          <a:ext cx="0" cy="0"/>
+          <a:chOff x="0" y="0"/>
+          <a:chExt cx="0" cy="0"/>
+        </a:xfrm>
+      </p:grpSpPr>
+      <p:sp>
+        <p:nvSpPr>
+          <p:cNvPr id="2" name="Title 1"/>
+          <p:cNvSpPr>
+            <a:spLocks noGrp="1"/>
+          </p:cNvSpPr>
+          <p:nvPr>
+            <p:ph type="title"/>
+          </p:nvPr>
+        </p:nvSpPr>
+        <p:spPr/>
+        <p:txBody>
+          <a:bodyPr/>
+          <a:lstStyle/>
+          <a:p>
+            <a:r>
+              <a:rPr lang="en-US" dirty="0" smtClean="0"/>
+              <a:t>Patterns</a:t>
+            </a:r>
+            <a:endParaRPr lang="en-US" dirty="0"/>
+          </a:p>
+        </p:txBody>
+      </p:sp>
+      <p:sp>
+        <p:nvSpPr>
+          <p:cNvPr id="3" name="Content Placeholder 2"/>
+          <p:cNvSpPr>
+            <a:spLocks noGrp="1"/>
+          </p:cNvSpPr>
+          <p:nvPr>
+            <p:ph idx="1"/>
+          </p:nvPr>
+        </p:nvSpPr>
+        <p:spPr>
+          <a:xfrm>
+            <a:off x="1295400" y="1582615"/>
+            <a:ext cx="9601200" cy="4478216"/>
+          </a:xfrm>
+        </p:spPr>
+        <p:txBody>
+          <a:bodyPr>
+            <a:normAutofit/>
+          </a:bodyPr>
+          <a:lstStyle/>
+          <a:p>
+            <a:pPr marL="0" indent="0">
+              <a:buNone/>
+            </a:pPr>
+            <a:r>
+              <a:rPr lang="en-US" b="1" i="1" dirty="0" err="1" smtClean="0"/>
+              <a:t>RepositoryPattern</a:t>
+            </a:r>
+            <a:r>
+              <a:rPr lang="en-US" b="1" i="1" dirty="0" smtClean="0"/>
+              <a:t> </a:t>
+            </a:r>
+          </a:p>
+          <a:p>
+            <a:pPr>
+              <a:buFontTx/>
+              <a:buChar char="-"/>
+            </a:pPr>
+            <a:endParaRPr lang="en-US" dirty="0" smtClean="0"/>
+          </a:p>
+          <a:p>
+            <a:pPr>
+              <a:buFontTx/>
+              <a:buChar char="-"/>
+            </a:pPr>
+            <a:endParaRPr lang="en-US" dirty="0"/>
+          </a:p>
+          <a:p>
+            <a:pPr>
+              <a:buFontTx/>
+              <a:buChar char="-"/>
+            </a:pPr>
+            <a:endParaRPr lang="en-US" dirty="0"/>
+          </a:p>
+          <a:p>
+            <a:pPr marL="0" indent="0">
+              <a:buNone/>
+            </a:pPr>
+            <a:endParaRPr lang="en-US" b="1" i="1" dirty="0" smtClean="0"/>
+          </a:p>
+        </p:txBody>
+      </p:sp>
+      <p:pic>
+        <p:nvPicPr>
+          <p:cNvPr id="1028" name="Picture 4" descr="http://www.martinfowler.com/eaaCatalog/repositorySketch.gif"/>
+          <p:cNvPicPr>
+            <a:picLocks noChangeAspect="1" noChangeArrowheads="1"/>
+          </p:cNvPicPr>
+          <p:nvPr/>
+        </p:nvPicPr>
+        <p:blipFill>
+          <a:blip r:embed="rId2">
+            <a:extLst>
+              <a:ext uri="{28A0092B-C50C-407E-A947-70E740481C1C}">
+                <a14:useLocalDpi xmlns:a14="http://schemas.microsoft.com/office/drawing/2010/main" val="0"/>
+              </a:ext>
+            </a:extLst>
+          </a:blip>
+          <a:srcRect/>
+          <a:stretch>
+            <a:fillRect/>
+          </a:stretch>
+        </p:blipFill>
+        <p:spPr bwMode="auto">
+          <a:xfrm>
+            <a:off x="2113332" y="2231169"/>
+            <a:ext cx="6866544" cy="3669424"/>
+          </a:xfrm>
+          <a:prstGeom prst="rect">
+            <a:avLst/>
+          </a:prstGeom>
+          <a:noFill/>
+          <a:extLst>
+            <a:ext uri="{909E8E84-426E-40DD-AFC4-6F175D3DCCD1}">
+              <a14:hiddenFill xmlns:a14="http://schemas.microsoft.com/office/drawing/2010/main">
+                <a:solidFill>
+                  <a:srgbClr val="FFFFFF"/>
+                </a:solidFill>
+              </a14:hiddenFill>
+            </a:ext>
+          </a:extLst>
+        </p:spPr>
+      </p:pic>
+    </p:spTree>
+    <p:extLst>
+      <p:ext uri="{BB962C8B-B14F-4D97-AF65-F5344CB8AC3E}">
+        <p14:creationId xmlns:p14="http://schemas.microsoft.com/office/powerpoint/2010/main" val="3231577710"/>
       </p:ext>
     </p:extLst>
   </p:cSld>
@@ -15982,7 +18605,7 @@
   <a:extraClrSchemeLst/>
   <a:extLst>
     <a:ext uri="{05A4C25C-085E-4340-85A3-A5531E510DB2}">
-      <thm15:themeFamily xmlns:thm15="http://schemas.microsoft.com/office/thememl/2012/main" xmlns="" name="Presentation1" id="{D8899D76-5985-43CB-933E-F632154BCAFC}" vid="{19E768FF-C194-4B71-81C6-DED1F05866EA}"/>
+      <thm15:themeFamily xmlns="" xmlns:thm15="http://schemas.microsoft.com/office/thememl/2012/main" name="Presentation1" id="{D8899D76-5985-43CB-933E-F632154BCAFC}" vid="{19E768FF-C194-4B71-81C6-DED1F05866EA}"/>
     </a:ext>
   </a:extLst>
 </a:theme>
